--- a/Aula02.pptx
+++ b/Aula02.pptx
@@ -303,7 +303,7 @@
           <a:p>
             <a:fld id="{2E700DB3-DBF0-4086-B675-117E7A9610B8}" type="datetimeFigureOut">
               <a:rPr lang="pt-BR" smtClean="0"/>
-              <a:t>09/11/2017</a:t>
+              <a:t>10/11/2017</a:t>
             </a:fld>
             <a:endParaRPr lang="pt-BR"/>
           </a:p>
@@ -468,7 +468,7 @@
           <a:p>
             <a:fld id="{2E700DB3-DBF0-4086-B675-117E7A9610B8}" type="datetimeFigureOut">
               <a:rPr lang="pt-BR" smtClean="0"/>
-              <a:t>09/11/2017</a:t>
+              <a:t>10/11/2017</a:t>
             </a:fld>
             <a:endParaRPr lang="pt-BR"/>
           </a:p>
@@ -643,7 +643,7 @@
           <a:p>
             <a:fld id="{2E700DB3-DBF0-4086-B675-117E7A9610B8}" type="datetimeFigureOut">
               <a:rPr lang="pt-BR" smtClean="0"/>
-              <a:t>09/11/2017</a:t>
+              <a:t>10/11/2017</a:t>
             </a:fld>
             <a:endParaRPr lang="pt-BR"/>
           </a:p>
@@ -808,7 +808,7 @@
           <a:p>
             <a:fld id="{2E700DB3-DBF0-4086-B675-117E7A9610B8}" type="datetimeFigureOut">
               <a:rPr lang="pt-BR" smtClean="0"/>
-              <a:t>09/11/2017</a:t>
+              <a:t>10/11/2017</a:t>
             </a:fld>
             <a:endParaRPr lang="pt-BR"/>
           </a:p>
@@ -1050,7 +1050,7 @@
           <a:p>
             <a:fld id="{2E700DB3-DBF0-4086-B675-117E7A9610B8}" type="datetimeFigureOut">
               <a:rPr lang="pt-BR" smtClean="0"/>
-              <a:t>09/11/2017</a:t>
+              <a:t>10/11/2017</a:t>
             </a:fld>
             <a:endParaRPr lang="pt-BR"/>
           </a:p>
@@ -1314,7 +1314,7 @@
           <a:p>
             <a:fld id="{2E700DB3-DBF0-4086-B675-117E7A9610B8}" type="datetimeFigureOut">
               <a:rPr lang="pt-BR" smtClean="0"/>
-              <a:t>09/11/2017</a:t>
+              <a:t>10/11/2017</a:t>
             </a:fld>
             <a:endParaRPr lang="pt-BR"/>
           </a:p>
@@ -1692,7 +1692,7 @@
           <a:p>
             <a:fld id="{2E700DB3-DBF0-4086-B675-117E7A9610B8}" type="datetimeFigureOut">
               <a:rPr lang="pt-BR" smtClean="0"/>
-              <a:t>09/11/2017</a:t>
+              <a:t>10/11/2017</a:t>
             </a:fld>
             <a:endParaRPr lang="pt-BR"/>
           </a:p>
@@ -1842,7 +1842,7 @@
           <a:p>
             <a:fld id="{2E700DB3-DBF0-4086-B675-117E7A9610B8}" type="datetimeFigureOut">
               <a:rPr lang="pt-BR" smtClean="0"/>
-              <a:t>09/11/2017</a:t>
+              <a:t>10/11/2017</a:t>
             </a:fld>
             <a:endParaRPr lang="pt-BR"/>
           </a:p>
@@ -1932,7 +1932,7 @@
           <a:p>
             <a:fld id="{2E700DB3-DBF0-4086-B675-117E7A9610B8}" type="datetimeFigureOut">
               <a:rPr lang="pt-BR" smtClean="0"/>
-              <a:t>09/11/2017</a:t>
+              <a:t>10/11/2017</a:t>
             </a:fld>
             <a:endParaRPr lang="pt-BR"/>
           </a:p>
@@ -2193,7 +2193,7 @@
           <a:p>
             <a:fld id="{2E700DB3-DBF0-4086-B675-117E7A9610B8}" type="datetimeFigureOut">
               <a:rPr lang="pt-BR" smtClean="0"/>
-              <a:t>09/11/2017</a:t>
+              <a:t>10/11/2017</a:t>
             </a:fld>
             <a:endParaRPr lang="pt-BR"/>
           </a:p>
@@ -2481,7 +2481,7 @@
           <a:p>
             <a:fld id="{2E700DB3-DBF0-4086-B675-117E7A9610B8}" type="datetimeFigureOut">
               <a:rPr lang="pt-BR" smtClean="0"/>
-              <a:t>09/11/2017</a:t>
+              <a:t>10/11/2017</a:t>
             </a:fld>
             <a:endParaRPr lang="pt-BR"/>
           </a:p>
@@ -3252,7 +3252,7 @@
           <a:p>
             <a:fld id="{2E700DB3-DBF0-4086-B675-117E7A9610B8}" type="datetimeFigureOut">
               <a:rPr lang="pt-BR" smtClean="0"/>
-              <a:t>09/11/2017</a:t>
+              <a:t>10/11/2017</a:t>
             </a:fld>
             <a:endParaRPr lang="pt-BR"/>
           </a:p>
@@ -3887,7 +3887,11 @@
           <a:p>
             <a:r>
               <a:rPr lang="pt-BR" dirty="0" smtClean="0"/>
-              <a:t>Banco de Dados</a:t>
+              <a:t>Banco de </a:t>
+            </a:r>
+            <a:r>
+              <a:rPr lang="pt-BR" smtClean="0"/>
+              <a:t>Dados – Aula 02</a:t>
             </a:r>
             <a:endParaRPr lang="pt-BR" dirty="0"/>
           </a:p>
@@ -6175,7 +6179,15 @@
           <a:p>
             <a:r>
               <a:rPr lang="pt-BR" dirty="0" smtClean="0"/>
-              <a:t>Diagrama de Projeto (Tabelas)</a:t>
+              <a:t>Diagrama de </a:t>
+            </a:r>
+            <a:r>
+              <a:rPr lang="pt-BR" dirty="0" smtClean="0"/>
+              <a:t>Projeto (Tabelas</a:t>
+            </a:r>
+            <a:r>
+              <a:rPr lang="pt-BR" dirty="0" smtClean="0"/>
+              <a:t>)</a:t>
             </a:r>
             <a:endParaRPr lang="pt-BR" dirty="0"/>
           </a:p>
@@ -6251,7 +6263,7 @@
 </file>
 
 <file path=ppt/slides/slide21.xml><?xml version="1.0" encoding="utf-8"?>
-<p:sld xmlns:a="http://schemas.openxmlformats.org/drawingml/2006/main" xmlns:r="http://schemas.openxmlformats.org/officeDocument/2006/relationships" xmlns:p="http://schemas.openxmlformats.org/presentationml/2006/main">
+<p:sld xmlns:a="http://schemas.openxmlformats.org/drawingml/2006/main" xmlns:r="http://schemas.openxmlformats.org/officeDocument/2006/relationships" xmlns:p="http://schemas.openxmlformats.org/presentationml/2006/main" show="0">
   <p:cSld>
     <p:spTree>
       <p:nvGrpSpPr>
@@ -6358,6 +6370,14 @@
   <p:clrMapOvr>
     <a:masterClrMapping/>
   </p:clrMapOvr>
+  <mc:AlternateContent xmlns:mc="http://schemas.openxmlformats.org/markup-compatibility/2006">
+    <mc:Choice xmlns:p14="http://schemas.microsoft.com/office/powerpoint/2010/main" Requires="p14">
+      <p:transition spd="slow" p14:dur="2000"/>
+    </mc:Choice>
+    <mc:Fallback>
+      <p:transition spd="slow"/>
+    </mc:Fallback>
+  </mc:AlternateContent>
 </p:sld>
 </file>
 

--- a/Aula02.pptx
+++ b/Aula02.pptx
@@ -28,7 +28,8 @@
     <p:sldId id="287" r:id="rId22"/>
     <p:sldId id="290" r:id="rId23"/>
     <p:sldId id="275" r:id="rId24"/>
-    <p:sldId id="274" r:id="rId25"/>
+    <p:sldId id="291" r:id="rId25"/>
+    <p:sldId id="274" r:id="rId26"/>
   </p:sldIdLst>
   <p:sldSz cx="9144000" cy="6858000" type="screen4x3"/>
   <p:notesSz cx="6858000" cy="9144000"/>
@@ -3915,7 +3916,7 @@
         </p:spPr>
         <p:txBody>
           <a:bodyPr>
-            <a:normAutofit fontScale="85000" lnSpcReduction="20000"/>
+            <a:normAutofit fontScale="77500" lnSpcReduction="20000"/>
           </a:bodyPr>
           <a:lstStyle/>
           <a:p>
@@ -3951,6 +3952,13 @@
               <a:rPr lang="pt-BR" dirty="0" smtClean="0"/>
               <a:t>leonardopordeus@gmail.com</a:t>
             </a:r>
+          </a:p>
+          <a:p>
+            <a:r>
+              <a:rPr lang="pt-BR" dirty="0"/>
+              <a:t>https://github.com/leonardopordeus/BD</a:t>
+            </a:r>
+            <a:endParaRPr lang="pt-BR" dirty="0" smtClean="0"/>
           </a:p>
           <a:p>
             <a:endParaRPr lang="pt-BR" dirty="0"/>
@@ -4184,6 +4192,13 @@
   <p:clrMapOvr>
     <a:masterClrMapping/>
   </p:clrMapOvr>
+  <p:timing>
+    <p:tnLst>
+      <p:par>
+        <p:cTn id="1" dur="indefinite" restart="never" nodeType="tmRoot"/>
+      </p:par>
+    </p:tnLst>
+  </p:timing>
 </p:sld>
 </file>
 
@@ -6179,15 +6194,7 @@
           <a:p>
             <a:r>
               <a:rPr lang="pt-BR" dirty="0" smtClean="0"/>
-              <a:t>Diagrama de </a:t>
-            </a:r>
-            <a:r>
-              <a:rPr lang="pt-BR" dirty="0" smtClean="0"/>
-              <a:t>Projeto (Tabelas</a:t>
-            </a:r>
-            <a:r>
-              <a:rPr lang="pt-BR" dirty="0" smtClean="0"/>
-              <a:t>)</a:t>
+              <a:t>Diagrama de Projeto (Tabelas)</a:t>
             </a:r>
             <a:endParaRPr lang="pt-BR" dirty="0"/>
           </a:p>
@@ -6370,11 +6377,11 @@
   <p:clrMapOvr>
     <a:masterClrMapping/>
   </p:clrMapOvr>
-  <mc:AlternateContent xmlns:mc="http://schemas.openxmlformats.org/markup-compatibility/2006">
-    <mc:Choice xmlns:p14="http://schemas.microsoft.com/office/powerpoint/2010/main" Requires="p14">
+  <mc:AlternateContent xmlns:mc="http://schemas.openxmlformats.org/markup-compatibility/2006" xmlns:p14="http://schemas.microsoft.com/office/powerpoint/2010/main">
+    <mc:Choice Requires="p14">
       <p:transition spd="slow" p14:dur="2000"/>
     </mc:Choice>
-    <mc:Fallback>
+    <mc:Fallback xmlns="">
       <p:transition spd="slow"/>
     </mc:Fallback>
   </mc:AlternateContent>
@@ -6601,6 +6608,172 @@
 </file>
 
 <file path=ppt/slides/slide24.xml><?xml version="1.0" encoding="utf-8"?>
+<p:sld xmlns:a="http://schemas.openxmlformats.org/drawingml/2006/main" xmlns:r="http://schemas.openxmlformats.org/officeDocument/2006/relationships" xmlns:p="http://schemas.openxmlformats.org/presentationml/2006/main">
+  <p:cSld>
+    <p:spTree>
+      <p:nvGrpSpPr>
+        <p:cNvPr id="1" name=""/>
+        <p:cNvGrpSpPr/>
+        <p:nvPr/>
+      </p:nvGrpSpPr>
+      <p:grpSpPr>
+        <a:xfrm>
+          <a:off x="0" y="0"/>
+          <a:ext cx="0" cy="0"/>
+          <a:chOff x="0" y="0"/>
+          <a:chExt cx="0" cy="0"/>
+        </a:xfrm>
+      </p:grpSpPr>
+      <p:sp>
+        <p:nvSpPr>
+          <p:cNvPr id="2" name="Título 1"/>
+          <p:cNvSpPr>
+            <a:spLocks noGrp="1"/>
+          </p:cNvSpPr>
+          <p:nvPr>
+            <p:ph type="title"/>
+          </p:nvPr>
+        </p:nvSpPr>
+        <p:spPr/>
+        <p:txBody>
+          <a:bodyPr>
+            <a:normAutofit/>
+          </a:bodyPr>
+          <a:lstStyle/>
+          <a:p>
+            <a:r>
+              <a:rPr lang="pt-BR" dirty="0" smtClean="0"/>
+              <a:t>Sugestão </a:t>
+            </a:r>
+            <a:r>
+              <a:rPr lang="pt-BR" dirty="0"/>
+              <a:t>de projeto: </a:t>
+            </a:r>
+          </a:p>
+        </p:txBody>
+      </p:sp>
+      <p:sp>
+        <p:nvSpPr>
+          <p:cNvPr id="3" name="Espaço Reservado para Conteúdo 2"/>
+          <p:cNvSpPr>
+            <a:spLocks noGrp="1"/>
+          </p:cNvSpPr>
+          <p:nvPr>
+            <p:ph idx="1"/>
+          </p:nvPr>
+        </p:nvSpPr>
+        <p:spPr/>
+        <p:txBody>
+          <a:bodyPr>
+            <a:normAutofit fontScale="92500"/>
+          </a:bodyPr>
+          <a:lstStyle/>
+          <a:p>
+            <a:r>
+              <a:rPr lang="pt-BR" dirty="0" smtClean="0"/>
+              <a:t>Criar </a:t>
+            </a:r>
+            <a:r>
+              <a:rPr lang="pt-BR" dirty="0"/>
+              <a:t>um banco de dados onde será possível cadastrar nós, sensores e seus respectivos dados;</a:t>
+            </a:r>
+          </a:p>
+          <a:p>
+            <a:r>
+              <a:rPr lang="pt-BR" dirty="0" smtClean="0"/>
+              <a:t>Pode-se </a:t>
+            </a:r>
+            <a:r>
+              <a:rPr lang="pt-BR" dirty="0"/>
+              <a:t>contextualizar uma aplicação de IOT;</a:t>
+            </a:r>
+          </a:p>
+          <a:p>
+            <a:r>
+              <a:rPr lang="pt-BR" dirty="0" smtClean="0"/>
+              <a:t>Se </a:t>
+            </a:r>
+            <a:r>
+              <a:rPr lang="pt-BR" dirty="0"/>
+              <a:t>possível integrar com o que já foi utilizado com MQTT;</a:t>
+            </a:r>
+          </a:p>
+          <a:p>
+            <a:r>
+              <a:rPr lang="pt-BR" dirty="0" smtClean="0"/>
+              <a:t>Alimentar </a:t>
+            </a:r>
+            <a:r>
+              <a:rPr lang="pt-BR" dirty="0"/>
+              <a:t>a base de dados com dados fictícios de sensores;</a:t>
+            </a:r>
+          </a:p>
+          <a:p>
+            <a:r>
+              <a:rPr lang="pt-BR" dirty="0" smtClean="0"/>
+              <a:t>Consumir </a:t>
+            </a:r>
+            <a:r>
+              <a:rPr lang="pt-BR" dirty="0"/>
+              <a:t>os dados do banco por meio de uma aplicação </a:t>
+            </a:r>
+            <a:r>
+              <a:rPr lang="pt-BR" dirty="0" smtClean="0"/>
+              <a:t>WEB </a:t>
+            </a:r>
+            <a:r>
+              <a:rPr lang="pt-BR" dirty="0"/>
+              <a:t>(Pode-se utilizar ou não o </a:t>
+            </a:r>
+            <a:r>
+              <a:rPr lang="pt-BR" dirty="0" err="1"/>
+              <a:t>template</a:t>
+            </a:r>
+            <a:r>
+              <a:rPr lang="pt-BR" dirty="0"/>
+              <a:t> fornecido)</a:t>
+            </a:r>
+          </a:p>
+          <a:p>
+            <a:r>
+              <a:rPr lang="pt-BR" dirty="0" smtClean="0"/>
+              <a:t>Não </a:t>
+            </a:r>
+            <a:r>
+              <a:rPr lang="pt-BR" dirty="0"/>
+              <a:t>precisa ser individual (2 ou 3 pessoas)</a:t>
+            </a:r>
+          </a:p>
+          <a:p>
+            <a:r>
+              <a:rPr lang="pt-BR" dirty="0" smtClean="0"/>
+              <a:t>Apresentar </a:t>
+            </a:r>
+            <a:r>
+              <a:rPr lang="pt-BR" dirty="0"/>
+              <a:t>na última aula; </a:t>
+            </a:r>
+            <a:br>
+              <a:rPr lang="pt-BR" dirty="0"/>
+            </a:br>
+            <a:endParaRPr lang="pt-BR" dirty="0"/>
+          </a:p>
+        </p:txBody>
+      </p:sp>
+    </p:spTree>
+    <p:extLst>
+      <p:ext uri="{BB962C8B-B14F-4D97-AF65-F5344CB8AC3E}">
+        <p14:creationId xmlns:p14="http://schemas.microsoft.com/office/powerpoint/2010/main" val="2834711726"/>
+      </p:ext>
+    </p:extLst>
+  </p:cSld>
+  <p:clrMapOvr>
+    <a:masterClrMapping/>
+  </p:clrMapOvr>
+</p:sld>
+</file>
+
+<file path=ppt/slides/slide25.xml><?xml version="1.0" encoding="utf-8"?>
 <p:sld xmlns:a="http://schemas.openxmlformats.org/drawingml/2006/main" xmlns:r="http://schemas.openxmlformats.org/officeDocument/2006/relationships" xmlns:p="http://schemas.openxmlformats.org/presentationml/2006/main">
   <p:cSld>
     <p:spTree>
@@ -7146,6 +7319,13 @@
   <p:clrMapOvr>
     <a:masterClrMapping/>
   </p:clrMapOvr>
+  <p:timing>
+    <p:tnLst>
+      <p:par>
+        <p:cTn id="1" dur="indefinite" restart="never" nodeType="tmRoot"/>
+      </p:par>
+    </p:tnLst>
+  </p:timing>
 </p:sld>
 </file>
 
@@ -7303,6 +7483,13 @@
   <p:clrMapOvr>
     <a:masterClrMapping/>
   </p:clrMapOvr>
+  <p:timing>
+    <p:tnLst>
+      <p:par>
+        <p:cTn id="1" dur="indefinite" restart="never" nodeType="tmRoot"/>
+      </p:par>
+    </p:tnLst>
+  </p:timing>
 </p:sld>
 </file>
 
@@ -7548,6 +7735,13 @@
   <p:clrMapOvr>
     <a:masterClrMapping/>
   </p:clrMapOvr>
+  <p:timing>
+    <p:tnLst>
+      <p:par>
+        <p:cTn id="1" dur="indefinite" restart="never" nodeType="tmRoot"/>
+      </p:par>
+    </p:tnLst>
+  </p:timing>
 </p:sld>
 </file>
 

--- a/Aula02.pptx
+++ b/Aula02.pptx
@@ -17,19 +17,26 @@
     <p:sldId id="289" r:id="rId11"/>
     <p:sldId id="267" r:id="rId12"/>
     <p:sldId id="268" r:id="rId13"/>
-    <p:sldId id="273" r:id="rId14"/>
-    <p:sldId id="276" r:id="rId15"/>
-    <p:sldId id="277" r:id="rId16"/>
-    <p:sldId id="283" r:id="rId17"/>
-    <p:sldId id="284" r:id="rId18"/>
-    <p:sldId id="285" r:id="rId19"/>
-    <p:sldId id="286" r:id="rId20"/>
-    <p:sldId id="288" r:id="rId21"/>
-    <p:sldId id="287" r:id="rId22"/>
-    <p:sldId id="290" r:id="rId23"/>
-    <p:sldId id="275" r:id="rId24"/>
-    <p:sldId id="291" r:id="rId25"/>
-    <p:sldId id="274" r:id="rId26"/>
+    <p:sldId id="298" r:id="rId14"/>
+    <p:sldId id="292" r:id="rId15"/>
+    <p:sldId id="293" r:id="rId16"/>
+    <p:sldId id="295" r:id="rId17"/>
+    <p:sldId id="294" r:id="rId18"/>
+    <p:sldId id="296" r:id="rId19"/>
+    <p:sldId id="297" r:id="rId20"/>
+    <p:sldId id="273" r:id="rId21"/>
+    <p:sldId id="276" r:id="rId22"/>
+    <p:sldId id="277" r:id="rId23"/>
+    <p:sldId id="283" r:id="rId24"/>
+    <p:sldId id="284" r:id="rId25"/>
+    <p:sldId id="285" r:id="rId26"/>
+    <p:sldId id="286" r:id="rId27"/>
+    <p:sldId id="288" r:id="rId28"/>
+    <p:sldId id="287" r:id="rId29"/>
+    <p:sldId id="290" r:id="rId30"/>
+    <p:sldId id="275" r:id="rId31"/>
+    <p:sldId id="291" r:id="rId32"/>
+    <p:sldId id="274" r:id="rId33"/>
   </p:sldIdLst>
   <p:sldSz cx="9144000" cy="6858000" type="screen4x3"/>
   <p:notesSz cx="6858000" cy="9144000"/>
@@ -128,6 +135,22 @@
       </a:defRPr>
     </a:lvl9pPr>
   </p:defaultTextStyle>
+  <p:extLst>
+    <p:ext uri="{EFAFB233-063F-42B5-8137-9DF3F51BA10A}">
+      <p15:sldGuideLst xmlns:p15="http://schemas.microsoft.com/office/powerpoint/2012/main">
+        <p15:guide id="1" orient="horz" pos="2160">
+          <p15:clr>
+            <a:srgbClr val="A4A3A4"/>
+          </p15:clr>
+        </p15:guide>
+        <p15:guide id="2" pos="2880">
+          <p15:clr>
+            <a:srgbClr val="A4A3A4"/>
+          </p15:clr>
+        </p15:guide>
+      </p15:sldGuideLst>
+    </p:ext>
+  </p:extLst>
 </p:presentation>
 </file>
 
@@ -219,7 +242,7 @@
           </a:lstStyle>
           <a:p>
             <a:r>
-              <a:rPr kumimoji="0" lang="pt-BR" smtClean="0"/>
+              <a:rPr kumimoji="0" lang="pt-BR"/>
               <a:t>Clique para editar o título mestre</a:t>
             </a:r>
             <a:endParaRPr kumimoji="0" lang="en-US"/>
@@ -280,7 +303,7 @@
           </a:lstStyle>
           <a:p>
             <a:r>
-              <a:rPr kumimoji="0" lang="pt-BR" smtClean="0"/>
+              <a:rPr kumimoji="0" lang="pt-BR"/>
               <a:t>Clique para editar o estilo do subtítulo mestre</a:t>
             </a:r>
             <a:endParaRPr kumimoji="0" lang="en-US"/>
@@ -304,7 +327,7 @@
           <a:p>
             <a:fld id="{2E700DB3-DBF0-4086-B675-117E7A9610B8}" type="datetimeFigureOut">
               <a:rPr lang="pt-BR" smtClean="0"/>
-              <a:t>10/11/2017</a:t>
+              <a:t>08/11/2018</a:t>
             </a:fld>
             <a:endParaRPr lang="pt-BR"/>
           </a:p>
@@ -393,7 +416,7 @@
           <a:lstStyle/>
           <a:p>
             <a:r>
-              <a:rPr kumimoji="0" lang="pt-BR" smtClean="0"/>
+              <a:rPr kumimoji="0" lang="pt-BR"/>
               <a:t>Clique para editar o título mestre</a:t>
             </a:r>
             <a:endParaRPr kumimoji="0" lang="en-US"/>
@@ -417,35 +440,35 @@
           <a:p>
             <a:pPr lvl="0" eaLnBrk="1" latinLnBrk="0" hangingPunct="1"/>
             <a:r>
-              <a:rPr lang="pt-BR" smtClean="0"/>
+              <a:rPr lang="pt-BR"/>
               <a:t>Clique para editar o texto mestre</a:t>
             </a:r>
           </a:p>
           <a:p>
             <a:pPr lvl="1" eaLnBrk="1" latinLnBrk="0" hangingPunct="1"/>
             <a:r>
-              <a:rPr lang="pt-BR" smtClean="0"/>
+              <a:rPr lang="pt-BR"/>
               <a:t>Segundo nível</a:t>
             </a:r>
           </a:p>
           <a:p>
             <a:pPr lvl="2" eaLnBrk="1" latinLnBrk="0" hangingPunct="1"/>
             <a:r>
-              <a:rPr lang="pt-BR" smtClean="0"/>
+              <a:rPr lang="pt-BR"/>
               <a:t>Terceiro nível</a:t>
             </a:r>
           </a:p>
           <a:p>
             <a:pPr lvl="3" eaLnBrk="1" latinLnBrk="0" hangingPunct="1"/>
             <a:r>
-              <a:rPr lang="pt-BR" smtClean="0"/>
+              <a:rPr lang="pt-BR"/>
               <a:t>Quarto nível</a:t>
             </a:r>
           </a:p>
           <a:p>
             <a:pPr lvl="4" eaLnBrk="1" latinLnBrk="0" hangingPunct="1"/>
             <a:r>
-              <a:rPr lang="pt-BR" smtClean="0"/>
+              <a:rPr lang="pt-BR"/>
               <a:t>Quinto nível</a:t>
             </a:r>
             <a:endParaRPr kumimoji="0" lang="en-US"/>
@@ -469,7 +492,7 @@
           <a:p>
             <a:fld id="{2E700DB3-DBF0-4086-B675-117E7A9610B8}" type="datetimeFigureOut">
               <a:rPr lang="pt-BR" smtClean="0"/>
-              <a:t>10/11/2017</a:t>
+              <a:t>08/11/2018</a:t>
             </a:fld>
             <a:endParaRPr lang="pt-BR"/>
           </a:p>
@@ -563,7 +586,7 @@
           <a:lstStyle/>
           <a:p>
             <a:r>
-              <a:rPr kumimoji="0" lang="pt-BR" smtClean="0"/>
+              <a:rPr kumimoji="0" lang="pt-BR"/>
               <a:t>Clique para editar o título mestre</a:t>
             </a:r>
             <a:endParaRPr kumimoji="0" lang="en-US"/>
@@ -592,35 +615,35 @@
           <a:p>
             <a:pPr lvl="0" eaLnBrk="1" latinLnBrk="0" hangingPunct="1"/>
             <a:r>
-              <a:rPr lang="pt-BR" smtClean="0"/>
+              <a:rPr lang="pt-BR"/>
               <a:t>Clique para editar o texto mestre</a:t>
             </a:r>
           </a:p>
           <a:p>
             <a:pPr lvl="1" eaLnBrk="1" latinLnBrk="0" hangingPunct="1"/>
             <a:r>
-              <a:rPr lang="pt-BR" smtClean="0"/>
+              <a:rPr lang="pt-BR"/>
               <a:t>Segundo nível</a:t>
             </a:r>
           </a:p>
           <a:p>
             <a:pPr lvl="2" eaLnBrk="1" latinLnBrk="0" hangingPunct="1"/>
             <a:r>
-              <a:rPr lang="pt-BR" smtClean="0"/>
+              <a:rPr lang="pt-BR"/>
               <a:t>Terceiro nível</a:t>
             </a:r>
           </a:p>
           <a:p>
             <a:pPr lvl="3" eaLnBrk="1" latinLnBrk="0" hangingPunct="1"/>
             <a:r>
-              <a:rPr lang="pt-BR" smtClean="0"/>
+              <a:rPr lang="pt-BR"/>
               <a:t>Quarto nível</a:t>
             </a:r>
           </a:p>
           <a:p>
             <a:pPr lvl="4" eaLnBrk="1" latinLnBrk="0" hangingPunct="1"/>
             <a:r>
-              <a:rPr lang="pt-BR" smtClean="0"/>
+              <a:rPr lang="pt-BR"/>
               <a:t>Quinto nível</a:t>
             </a:r>
             <a:endParaRPr kumimoji="0" lang="en-US"/>
@@ -644,7 +667,7 @@
           <a:p>
             <a:fld id="{2E700DB3-DBF0-4086-B675-117E7A9610B8}" type="datetimeFigureOut">
               <a:rPr lang="pt-BR" smtClean="0"/>
-              <a:t>10/11/2017</a:t>
+              <a:t>08/11/2018</a:t>
             </a:fld>
             <a:endParaRPr lang="pt-BR"/>
           </a:p>
@@ -733,7 +756,7 @@
           <a:lstStyle/>
           <a:p>
             <a:r>
-              <a:rPr kumimoji="0" lang="pt-BR" smtClean="0"/>
+              <a:rPr kumimoji="0" lang="pt-BR"/>
               <a:t>Clique para editar o título mestre</a:t>
             </a:r>
             <a:endParaRPr kumimoji="0" lang="en-US"/>
@@ -757,35 +780,35 @@
           <a:p>
             <a:pPr lvl="0" eaLnBrk="1" latinLnBrk="0" hangingPunct="1"/>
             <a:r>
-              <a:rPr lang="pt-BR" smtClean="0"/>
+              <a:rPr lang="pt-BR"/>
               <a:t>Clique para editar o texto mestre</a:t>
             </a:r>
           </a:p>
           <a:p>
             <a:pPr lvl="1" eaLnBrk="1" latinLnBrk="0" hangingPunct="1"/>
             <a:r>
-              <a:rPr lang="pt-BR" smtClean="0"/>
+              <a:rPr lang="pt-BR"/>
               <a:t>Segundo nível</a:t>
             </a:r>
           </a:p>
           <a:p>
             <a:pPr lvl="2" eaLnBrk="1" latinLnBrk="0" hangingPunct="1"/>
             <a:r>
-              <a:rPr lang="pt-BR" smtClean="0"/>
+              <a:rPr lang="pt-BR"/>
               <a:t>Terceiro nível</a:t>
             </a:r>
           </a:p>
           <a:p>
             <a:pPr lvl="3" eaLnBrk="1" latinLnBrk="0" hangingPunct="1"/>
             <a:r>
-              <a:rPr lang="pt-BR" smtClean="0"/>
+              <a:rPr lang="pt-BR"/>
               <a:t>Quarto nível</a:t>
             </a:r>
           </a:p>
           <a:p>
             <a:pPr lvl="4" eaLnBrk="1" latinLnBrk="0" hangingPunct="1"/>
             <a:r>
-              <a:rPr lang="pt-BR" smtClean="0"/>
+              <a:rPr lang="pt-BR"/>
               <a:t>Quinto nível</a:t>
             </a:r>
             <a:endParaRPr kumimoji="0" lang="en-US"/>
@@ -809,7 +832,7 @@
           <a:p>
             <a:fld id="{2E700DB3-DBF0-4086-B675-117E7A9610B8}" type="datetimeFigureOut">
               <a:rPr lang="pt-BR" smtClean="0"/>
-              <a:t>10/11/2017</a:t>
+              <a:t>08/11/2018</a:t>
             </a:fld>
             <a:endParaRPr lang="pt-BR"/>
           </a:p>
@@ -950,7 +973,7 @@
           </a:lstStyle>
           <a:p>
             <a:r>
-              <a:rPr kumimoji="0" lang="pt-BR" smtClean="0"/>
+              <a:rPr kumimoji="0" lang="pt-BR"/>
               <a:t>Clique para editar o título mestre</a:t>
             </a:r>
             <a:endParaRPr kumimoji="0" lang="en-US"/>
@@ -1028,7 +1051,7 @@
           <a:p>
             <a:pPr lvl="0" eaLnBrk="1" latinLnBrk="0" hangingPunct="1"/>
             <a:r>
-              <a:rPr kumimoji="0" lang="pt-BR" smtClean="0"/>
+              <a:rPr kumimoji="0" lang="pt-BR"/>
               <a:t>Clique para editar o texto mestre</a:t>
             </a:r>
           </a:p>
@@ -1051,7 +1074,7 @@
           <a:p>
             <a:fld id="{2E700DB3-DBF0-4086-B675-117E7A9610B8}" type="datetimeFigureOut">
               <a:rPr lang="pt-BR" smtClean="0"/>
-              <a:t>10/11/2017</a:t>
+              <a:t>08/11/2018</a:t>
             </a:fld>
             <a:endParaRPr lang="pt-BR"/>
           </a:p>
@@ -1145,7 +1168,7 @@
           <a:lstStyle/>
           <a:p>
             <a:r>
-              <a:rPr kumimoji="0" lang="pt-BR" smtClean="0"/>
+              <a:rPr kumimoji="0" lang="pt-BR"/>
               <a:t>Clique para editar o título mestre</a:t>
             </a:r>
             <a:endParaRPr kumimoji="0" lang="en-US"/>
@@ -1190,35 +1213,35 @@
           <a:p>
             <a:pPr lvl="0" eaLnBrk="1" latinLnBrk="0" hangingPunct="1"/>
             <a:r>
-              <a:rPr lang="pt-BR" smtClean="0"/>
+              <a:rPr lang="pt-BR"/>
               <a:t>Clique para editar o texto mestre</a:t>
             </a:r>
           </a:p>
           <a:p>
             <a:pPr lvl="1" eaLnBrk="1" latinLnBrk="0" hangingPunct="1"/>
             <a:r>
-              <a:rPr lang="pt-BR" smtClean="0"/>
+              <a:rPr lang="pt-BR"/>
               <a:t>Segundo nível</a:t>
             </a:r>
           </a:p>
           <a:p>
             <a:pPr lvl="2" eaLnBrk="1" latinLnBrk="0" hangingPunct="1"/>
             <a:r>
-              <a:rPr lang="pt-BR" smtClean="0"/>
+              <a:rPr lang="pt-BR"/>
               <a:t>Terceiro nível</a:t>
             </a:r>
           </a:p>
           <a:p>
             <a:pPr lvl="3" eaLnBrk="1" latinLnBrk="0" hangingPunct="1"/>
             <a:r>
-              <a:rPr lang="pt-BR" smtClean="0"/>
+              <a:rPr lang="pt-BR"/>
               <a:t>Quarto nível</a:t>
             </a:r>
           </a:p>
           <a:p>
             <a:pPr lvl="4" eaLnBrk="1" latinLnBrk="0" hangingPunct="1"/>
             <a:r>
-              <a:rPr lang="pt-BR" smtClean="0"/>
+              <a:rPr lang="pt-BR"/>
               <a:t>Quinto nível</a:t>
             </a:r>
             <a:endParaRPr kumimoji="0" lang="en-US"/>
@@ -1263,35 +1286,35 @@
           <a:p>
             <a:pPr lvl="0" eaLnBrk="1" latinLnBrk="0" hangingPunct="1"/>
             <a:r>
-              <a:rPr lang="pt-BR" smtClean="0"/>
+              <a:rPr lang="pt-BR"/>
               <a:t>Clique para editar o texto mestre</a:t>
             </a:r>
           </a:p>
           <a:p>
             <a:pPr lvl="1" eaLnBrk="1" latinLnBrk="0" hangingPunct="1"/>
             <a:r>
-              <a:rPr lang="pt-BR" smtClean="0"/>
+              <a:rPr lang="pt-BR"/>
               <a:t>Segundo nível</a:t>
             </a:r>
           </a:p>
           <a:p>
             <a:pPr lvl="2" eaLnBrk="1" latinLnBrk="0" hangingPunct="1"/>
             <a:r>
-              <a:rPr lang="pt-BR" smtClean="0"/>
+              <a:rPr lang="pt-BR"/>
               <a:t>Terceiro nível</a:t>
             </a:r>
           </a:p>
           <a:p>
             <a:pPr lvl="3" eaLnBrk="1" latinLnBrk="0" hangingPunct="1"/>
             <a:r>
-              <a:rPr lang="pt-BR" smtClean="0"/>
+              <a:rPr lang="pt-BR"/>
               <a:t>Quarto nível</a:t>
             </a:r>
           </a:p>
           <a:p>
             <a:pPr lvl="4" eaLnBrk="1" latinLnBrk="0" hangingPunct="1"/>
             <a:r>
-              <a:rPr lang="pt-BR" smtClean="0"/>
+              <a:rPr lang="pt-BR"/>
               <a:t>Quinto nível</a:t>
             </a:r>
             <a:endParaRPr kumimoji="0" lang="en-US"/>
@@ -1315,7 +1338,7 @@
           <a:p>
             <a:fld id="{2E700DB3-DBF0-4086-B675-117E7A9610B8}" type="datetimeFigureOut">
               <a:rPr lang="pt-BR" smtClean="0"/>
-              <a:t>10/11/2017</a:t>
+              <a:t>08/11/2018</a:t>
             </a:fld>
             <a:endParaRPr lang="pt-BR"/>
           </a:p>
@@ -1413,7 +1436,7 @@
           </a:lstStyle>
           <a:p>
             <a:r>
-              <a:rPr kumimoji="0" lang="pt-BR" smtClean="0"/>
+              <a:rPr kumimoji="0" lang="pt-BR"/>
               <a:t>Clique para editar o título mestre</a:t>
             </a:r>
             <a:endParaRPr kumimoji="0" lang="en-US"/>
@@ -1470,7 +1493,7 @@
           <a:p>
             <a:pPr lvl="0" eaLnBrk="1" latinLnBrk="0" hangingPunct="1"/>
             <a:r>
-              <a:rPr kumimoji="0" lang="pt-BR" smtClean="0"/>
+              <a:rPr kumimoji="0" lang="pt-BR"/>
               <a:t>Clique para editar o texto mestre</a:t>
             </a:r>
           </a:p>
@@ -1524,7 +1547,7 @@
           <a:p>
             <a:pPr lvl="0" eaLnBrk="1" latinLnBrk="0" hangingPunct="1"/>
             <a:r>
-              <a:rPr kumimoji="0" lang="pt-BR" smtClean="0"/>
+              <a:rPr kumimoji="0" lang="pt-BR"/>
               <a:t>Clique para editar o texto mestre</a:t>
             </a:r>
           </a:p>
@@ -1568,35 +1591,35 @@
           <a:p>
             <a:pPr lvl="0" eaLnBrk="1" latinLnBrk="0" hangingPunct="1"/>
             <a:r>
-              <a:rPr lang="pt-BR" smtClean="0"/>
+              <a:rPr lang="pt-BR"/>
               <a:t>Clique para editar o texto mestre</a:t>
             </a:r>
           </a:p>
           <a:p>
             <a:pPr lvl="1" eaLnBrk="1" latinLnBrk="0" hangingPunct="1"/>
             <a:r>
-              <a:rPr lang="pt-BR" smtClean="0"/>
+              <a:rPr lang="pt-BR"/>
               <a:t>Segundo nível</a:t>
             </a:r>
           </a:p>
           <a:p>
             <a:pPr lvl="2" eaLnBrk="1" latinLnBrk="0" hangingPunct="1"/>
             <a:r>
-              <a:rPr lang="pt-BR" smtClean="0"/>
+              <a:rPr lang="pt-BR"/>
               <a:t>Terceiro nível</a:t>
             </a:r>
           </a:p>
           <a:p>
             <a:pPr lvl="3" eaLnBrk="1" latinLnBrk="0" hangingPunct="1"/>
             <a:r>
-              <a:rPr lang="pt-BR" smtClean="0"/>
+              <a:rPr lang="pt-BR"/>
               <a:t>Quarto nível</a:t>
             </a:r>
           </a:p>
           <a:p>
             <a:pPr lvl="4" eaLnBrk="1" latinLnBrk="0" hangingPunct="1"/>
             <a:r>
-              <a:rPr lang="pt-BR" smtClean="0"/>
+              <a:rPr lang="pt-BR"/>
               <a:t>Quinto nível</a:t>
             </a:r>
             <a:endParaRPr kumimoji="0" lang="en-US"/>
@@ -1641,35 +1664,35 @@
           <a:p>
             <a:pPr lvl="0" eaLnBrk="1" latinLnBrk="0" hangingPunct="1"/>
             <a:r>
-              <a:rPr lang="pt-BR" smtClean="0"/>
+              <a:rPr lang="pt-BR"/>
               <a:t>Clique para editar o texto mestre</a:t>
             </a:r>
           </a:p>
           <a:p>
             <a:pPr lvl="1" eaLnBrk="1" latinLnBrk="0" hangingPunct="1"/>
             <a:r>
-              <a:rPr lang="pt-BR" smtClean="0"/>
+              <a:rPr lang="pt-BR"/>
               <a:t>Segundo nível</a:t>
             </a:r>
           </a:p>
           <a:p>
             <a:pPr lvl="2" eaLnBrk="1" latinLnBrk="0" hangingPunct="1"/>
             <a:r>
-              <a:rPr lang="pt-BR" smtClean="0"/>
+              <a:rPr lang="pt-BR"/>
               <a:t>Terceiro nível</a:t>
             </a:r>
           </a:p>
           <a:p>
             <a:pPr lvl="3" eaLnBrk="1" latinLnBrk="0" hangingPunct="1"/>
             <a:r>
-              <a:rPr lang="pt-BR" smtClean="0"/>
+              <a:rPr lang="pt-BR"/>
               <a:t>Quarto nível</a:t>
             </a:r>
           </a:p>
           <a:p>
             <a:pPr lvl="4" eaLnBrk="1" latinLnBrk="0" hangingPunct="1"/>
             <a:r>
-              <a:rPr lang="pt-BR" smtClean="0"/>
+              <a:rPr lang="pt-BR"/>
               <a:t>Quinto nível</a:t>
             </a:r>
             <a:endParaRPr kumimoji="0" lang="en-US"/>
@@ -1693,7 +1716,7 @@
           <a:p>
             <a:fld id="{2E700DB3-DBF0-4086-B675-117E7A9610B8}" type="datetimeFigureOut">
               <a:rPr lang="pt-BR" smtClean="0"/>
-              <a:t>10/11/2017</a:t>
+              <a:t>08/11/2018</a:t>
             </a:fld>
             <a:endParaRPr lang="pt-BR"/>
           </a:p>
@@ -1819,7 +1842,7 @@
           </a:lstStyle>
           <a:p>
             <a:r>
-              <a:rPr kumimoji="0" lang="pt-BR" smtClean="0"/>
+              <a:rPr kumimoji="0" lang="pt-BR"/>
               <a:t>Clique para editar o título mestre</a:t>
             </a:r>
             <a:endParaRPr kumimoji="0" lang="en-US"/>
@@ -1843,7 +1866,7 @@
           <a:p>
             <a:fld id="{2E700DB3-DBF0-4086-B675-117E7A9610B8}" type="datetimeFigureOut">
               <a:rPr lang="pt-BR" smtClean="0"/>
-              <a:t>10/11/2017</a:t>
+              <a:t>08/11/2018</a:t>
             </a:fld>
             <a:endParaRPr lang="pt-BR"/>
           </a:p>
@@ -1933,7 +1956,7 @@
           <a:p>
             <a:fld id="{2E700DB3-DBF0-4086-B675-117E7A9610B8}" type="datetimeFigureOut">
               <a:rPr lang="pt-BR" smtClean="0"/>
-              <a:t>10/11/2017</a:t>
+              <a:t>08/11/2018</a:t>
             </a:fld>
             <a:endParaRPr lang="pt-BR"/>
           </a:p>
@@ -2048,7 +2071,7 @@
           </a:lstStyle>
           <a:p>
             <a:r>
-              <a:rPr kumimoji="0" lang="pt-BR" smtClean="0"/>
+              <a:rPr kumimoji="0" lang="pt-BR"/>
               <a:t>Clique para editar o título mestre</a:t>
             </a:r>
             <a:endParaRPr kumimoji="0" lang="en-US"/>
@@ -2098,7 +2121,7 @@
           <a:p>
             <a:pPr lvl="0" eaLnBrk="1" latinLnBrk="0" hangingPunct="1"/>
             <a:r>
-              <a:rPr kumimoji="0" lang="pt-BR" smtClean="0"/>
+              <a:rPr kumimoji="0" lang="pt-BR"/>
               <a:t>Clique para editar o texto mestre</a:t>
             </a:r>
           </a:p>
@@ -2142,35 +2165,35 @@
           <a:p>
             <a:pPr lvl="0" eaLnBrk="1" latinLnBrk="0" hangingPunct="1"/>
             <a:r>
-              <a:rPr lang="pt-BR" smtClean="0"/>
+              <a:rPr lang="pt-BR"/>
               <a:t>Clique para editar o texto mestre</a:t>
             </a:r>
           </a:p>
           <a:p>
             <a:pPr lvl="1" eaLnBrk="1" latinLnBrk="0" hangingPunct="1"/>
             <a:r>
-              <a:rPr lang="pt-BR" smtClean="0"/>
+              <a:rPr lang="pt-BR"/>
               <a:t>Segundo nível</a:t>
             </a:r>
           </a:p>
           <a:p>
             <a:pPr lvl="2" eaLnBrk="1" latinLnBrk="0" hangingPunct="1"/>
             <a:r>
-              <a:rPr lang="pt-BR" smtClean="0"/>
+              <a:rPr lang="pt-BR"/>
               <a:t>Terceiro nível</a:t>
             </a:r>
           </a:p>
           <a:p>
             <a:pPr lvl="3" eaLnBrk="1" latinLnBrk="0" hangingPunct="1"/>
             <a:r>
-              <a:rPr lang="pt-BR" smtClean="0"/>
+              <a:rPr lang="pt-BR"/>
               <a:t>Quarto nível</a:t>
             </a:r>
           </a:p>
           <a:p>
             <a:pPr lvl="4" eaLnBrk="1" latinLnBrk="0" hangingPunct="1"/>
             <a:r>
-              <a:rPr lang="pt-BR" smtClean="0"/>
+              <a:rPr lang="pt-BR"/>
               <a:t>Quinto nível</a:t>
             </a:r>
             <a:endParaRPr kumimoji="0" lang="en-US"/>
@@ -2194,7 +2217,7 @@
           <a:p>
             <a:fld id="{2E700DB3-DBF0-4086-B675-117E7A9610B8}" type="datetimeFigureOut">
               <a:rPr lang="pt-BR" smtClean="0"/>
-              <a:t>10/11/2017</a:t>
+              <a:t>08/11/2018</a:t>
             </a:fld>
             <a:endParaRPr lang="pt-BR"/>
           </a:p>
@@ -2409,7 +2432,7 @@
           </a:lstStyle>
           <a:p>
             <a:r>
-              <a:rPr kumimoji="0" lang="pt-BR" smtClean="0"/>
+              <a:rPr kumimoji="0" lang="pt-BR"/>
               <a:t>Clique para editar o título mestre</a:t>
             </a:r>
             <a:endParaRPr kumimoji="0" lang="en-US"/>
@@ -2459,7 +2482,7 @@
           <a:p>
             <a:pPr lvl="0" eaLnBrk="1" latinLnBrk="0" hangingPunct="1"/>
             <a:r>
-              <a:rPr kumimoji="0" lang="pt-BR" smtClean="0"/>
+              <a:rPr kumimoji="0" lang="pt-BR"/>
               <a:t>Clique para editar o texto mestre</a:t>
             </a:r>
           </a:p>
@@ -2482,7 +2505,7 @@
           <a:p>
             <a:fld id="{2E700DB3-DBF0-4086-B675-117E7A9610B8}" type="datetimeFigureOut">
               <a:rPr lang="pt-BR" smtClean="0"/>
-              <a:t>10/11/2017</a:t>
+              <a:t>08/11/2018</a:t>
             </a:fld>
             <a:endParaRPr lang="pt-BR"/>
           </a:p>
@@ -2574,7 +2597,7 @@
           </a:lstStyle>
           <a:p>
             <a:r>
-              <a:rPr kumimoji="0" lang="pt-BR" smtClean="0"/>
+              <a:rPr kumimoji="0" lang="pt-BR"/>
               <a:t>Clique no ícone para adicionar uma imagem</a:t>
             </a:r>
             <a:endParaRPr kumimoji="0" lang="en-US" dirty="0"/>
@@ -3149,7 +3172,7 @@
           <a:lstStyle/>
           <a:p>
             <a:r>
-              <a:rPr kumimoji="0" lang="pt-BR" smtClean="0"/>
+              <a:rPr kumimoji="0" lang="pt-BR"/>
               <a:t>Clique para editar o título mestre</a:t>
             </a:r>
             <a:endParaRPr kumimoji="0" lang="en-US"/>
@@ -3183,35 +3206,35 @@
           <a:p>
             <a:pPr lvl="0" eaLnBrk="1" latinLnBrk="0" hangingPunct="1"/>
             <a:r>
-              <a:rPr kumimoji="0" lang="pt-BR" smtClean="0"/>
+              <a:rPr kumimoji="0" lang="pt-BR"/>
               <a:t>Clique para editar o texto mestre</a:t>
             </a:r>
           </a:p>
           <a:p>
             <a:pPr lvl="1" eaLnBrk="1" latinLnBrk="0" hangingPunct="1"/>
             <a:r>
-              <a:rPr kumimoji="0" lang="pt-BR" smtClean="0"/>
+              <a:rPr kumimoji="0" lang="pt-BR"/>
               <a:t>Segundo nível</a:t>
             </a:r>
           </a:p>
           <a:p>
             <a:pPr lvl="2" eaLnBrk="1" latinLnBrk="0" hangingPunct="1"/>
             <a:r>
-              <a:rPr kumimoji="0" lang="pt-BR" smtClean="0"/>
+              <a:rPr kumimoji="0" lang="pt-BR"/>
               <a:t>Terceiro nível</a:t>
             </a:r>
           </a:p>
           <a:p>
             <a:pPr lvl="3" eaLnBrk="1" latinLnBrk="0" hangingPunct="1"/>
             <a:r>
-              <a:rPr kumimoji="0" lang="pt-BR" smtClean="0"/>
+              <a:rPr kumimoji="0" lang="pt-BR"/>
               <a:t>Quarto nível</a:t>
             </a:r>
           </a:p>
           <a:p>
             <a:pPr lvl="4" eaLnBrk="1" latinLnBrk="0" hangingPunct="1"/>
             <a:r>
-              <a:rPr kumimoji="0" lang="pt-BR" smtClean="0"/>
+              <a:rPr kumimoji="0" lang="pt-BR"/>
               <a:t>Quinto nível</a:t>
             </a:r>
             <a:endParaRPr kumimoji="0" lang="en-US"/>
@@ -3253,7 +3276,7 @@
           <a:p>
             <a:fld id="{2E700DB3-DBF0-4086-B675-117E7A9610B8}" type="datetimeFigureOut">
               <a:rPr lang="pt-BR" smtClean="0"/>
-              <a:t>10/11/2017</a:t>
+              <a:t>08/11/2018</a:t>
             </a:fld>
             <a:endParaRPr lang="pt-BR"/>
           </a:p>
@@ -3887,11 +3910,11 @@
           <a:lstStyle/>
           <a:p>
             <a:r>
-              <a:rPr lang="pt-BR" dirty="0" smtClean="0"/>
+              <a:rPr lang="pt-BR" dirty="0"/>
               <a:t>Banco de </a:t>
             </a:r>
             <a:r>
-              <a:rPr lang="pt-BR" smtClean="0"/>
+              <a:rPr lang="pt-BR"/>
               <a:t>Dados – Aula 02</a:t>
             </a:r>
             <a:endParaRPr lang="pt-BR" dirty="0"/>
@@ -3921,35 +3944,35 @@
           <a:lstStyle/>
           <a:p>
             <a:r>
-              <a:rPr lang="pt-BR" dirty="0" smtClean="0"/>
+              <a:rPr lang="pt-BR" dirty="0"/>
               <a:t>Curso de Especialização em Internet das Coisas</a:t>
             </a:r>
           </a:p>
           <a:p>
-            <a:endParaRPr lang="pt-BR" dirty="0" smtClean="0"/>
-          </a:p>
-          <a:p>
-            <a:r>
-              <a:rPr lang="pt-BR" dirty="0" smtClean="0"/>
+            <a:endParaRPr lang="pt-BR" dirty="0"/>
+          </a:p>
+          <a:p>
+            <a:r>
+              <a:rPr lang="pt-BR" dirty="0"/>
               <a:t>Leonardo </a:t>
             </a:r>
             <a:r>
-              <a:rPr lang="pt-BR" dirty="0" err="1" smtClean="0"/>
+              <a:rPr lang="pt-BR" dirty="0" err="1"/>
               <a:t>Faix</a:t>
             </a:r>
             <a:r>
-              <a:rPr lang="pt-BR" dirty="0" smtClean="0"/>
+              <a:rPr lang="pt-BR" dirty="0"/>
               <a:t> </a:t>
             </a:r>
             <a:r>
-              <a:rPr lang="pt-BR" dirty="0" err="1" smtClean="0"/>
+              <a:rPr lang="pt-BR" dirty="0" err="1"/>
               <a:t>Pordeus</a:t>
             </a:r>
-            <a:endParaRPr lang="pt-BR" dirty="0" smtClean="0"/>
-          </a:p>
-          <a:p>
-            <a:r>
-              <a:rPr lang="pt-BR" dirty="0" smtClean="0"/>
+            <a:endParaRPr lang="pt-BR" dirty="0"/>
+          </a:p>
+          <a:p>
+            <a:r>
+              <a:rPr lang="pt-BR" dirty="0"/>
               <a:t>leonardopordeus@gmail.com</a:t>
             </a:r>
           </a:p>
@@ -3958,27 +3981,26 @@
               <a:rPr lang="pt-BR" dirty="0"/>
               <a:t>https://github.com/leonardopordeus/BD</a:t>
             </a:r>
-            <a:endParaRPr lang="pt-BR" dirty="0" smtClean="0"/>
           </a:p>
           <a:p>
             <a:endParaRPr lang="pt-BR" dirty="0"/>
           </a:p>
           <a:p>
-            <a:endParaRPr lang="pt-BR" dirty="0" smtClean="0"/>
-          </a:p>
-          <a:p>
             <a:endParaRPr lang="pt-BR" dirty="0"/>
           </a:p>
           <a:p>
-            <a:endParaRPr lang="pt-BR" dirty="0" smtClean="0"/>
-          </a:p>
-          <a:p>
             <a:endParaRPr lang="pt-BR" dirty="0"/>
           </a:p>
           <a:p>
+            <a:endParaRPr lang="pt-BR" dirty="0"/>
+          </a:p>
+          <a:p>
+            <a:endParaRPr lang="pt-BR" dirty="0"/>
+          </a:p>
+          <a:p>
             <a:pPr algn="ctr"/>
             <a:r>
-              <a:rPr lang="pt-BR" dirty="0" smtClean="0"/>
+              <a:rPr lang="pt-BR" dirty="0"/>
               <a:t>2017</a:t>
             </a:r>
           </a:p>
@@ -4038,13 +4060,6 @@
   <p:clrMapOvr>
     <a:masterClrMapping/>
   </p:clrMapOvr>
-  <p:timing>
-    <p:tnLst>
-      <p:par>
-        <p:cTn id="1" dur="indefinite" restart="never" nodeType="tmRoot"/>
-      </p:par>
-    </p:tnLst>
-  </p:timing>
 </p:sld>
 </file>
 
@@ -4081,50 +4096,40 @@
           <a:lstStyle/>
           <a:p>
             <a:r>
-              <a:rPr lang="pt-BR" dirty="0" smtClean="0"/>
+              <a:rPr lang="pt-BR" dirty="0"/>
               <a:t>Index</a:t>
             </a:r>
+          </a:p>
+        </p:txBody>
+      </p:sp>
+      <p:sp>
+        <p:nvSpPr>
+          <p:cNvPr id="3" name="Espaço Reservado para Conteúdo 2"/>
+          <p:cNvSpPr>
+            <a:spLocks noGrp="1"/>
+          </p:cNvSpPr>
+          <p:nvPr>
+            <p:ph idx="1"/>
+          </p:nvPr>
+        </p:nvSpPr>
+        <p:spPr/>
+        <p:txBody>
+          <a:bodyPr/>
+          <a:lstStyle/>
+          <a:p>
+            <a:r>
+              <a:rPr lang="pt-BR" dirty="0"/>
+              <a:t>Referência associada a uma chave;</a:t>
+            </a:r>
+          </a:p>
+          <a:p>
             <a:endParaRPr lang="pt-BR" dirty="0"/>
           </a:p>
-        </p:txBody>
-      </p:sp>
-      <p:sp>
-        <p:nvSpPr>
-          <p:cNvPr id="3" name="Espaço Reservado para Conteúdo 2"/>
-          <p:cNvSpPr>
-            <a:spLocks noGrp="1"/>
-          </p:cNvSpPr>
-          <p:nvPr>
-            <p:ph idx="1"/>
-          </p:nvPr>
-        </p:nvSpPr>
-        <p:spPr/>
-        <p:txBody>
-          <a:bodyPr/>
-          <a:lstStyle/>
-          <a:p>
-            <a:r>
-              <a:rPr lang="pt-BR" dirty="0" smtClean="0"/>
-              <a:t>Referência associada a uma chave;</a:t>
-            </a:r>
-          </a:p>
-          <a:p>
-            <a:endParaRPr lang="pt-BR" dirty="0"/>
-          </a:p>
-          <a:p>
-            <a:r>
-              <a:rPr lang="pt-BR" dirty="0" smtClean="0"/>
-              <a:t>Utilizada </a:t>
-            </a:r>
-            <a:r>
-              <a:rPr lang="pt-BR" dirty="0"/>
-              <a:t>para fins de otimização, permitindo uma localização mais rápida de um registro quando efetuada uma </a:t>
-            </a:r>
-            <a:r>
-              <a:rPr lang="pt-BR" dirty="0" smtClean="0"/>
-              <a:t>consulta;</a:t>
-            </a:r>
-            <a:endParaRPr lang="pt-BR" dirty="0"/>
+          <a:p>
+            <a:r>
+              <a:rPr lang="pt-BR" dirty="0"/>
+              <a:t>Utilizada para fins de otimização, permitindo uma localização mais rápida de um registro quando efetuada uma consulta;</a:t>
+            </a:r>
           </a:p>
         </p:txBody>
       </p:sp>
@@ -4192,13 +4197,6 @@
   <p:clrMapOvr>
     <a:masterClrMapping/>
   </p:clrMapOvr>
-  <p:timing>
-    <p:tnLst>
-      <p:par>
-        <p:cTn id="1" dur="indefinite" restart="never" nodeType="tmRoot"/>
-      </p:par>
-    </p:tnLst>
-  </p:timing>
 </p:sld>
 </file>
 
@@ -4258,39 +4256,39 @@
           <a:lstStyle/>
           <a:p>
             <a:r>
-              <a:rPr lang="pt-BR" dirty="0" smtClean="0"/>
+              <a:rPr lang="pt-BR" dirty="0"/>
               <a:t>Para armazenar arquivos “grandes”:</a:t>
             </a:r>
           </a:p>
           <a:p>
             <a:pPr lvl="1"/>
             <a:r>
-              <a:rPr lang="pt-BR" dirty="0" smtClean="0"/>
+              <a:rPr lang="pt-BR" dirty="0"/>
               <a:t>P. ex.: Imagens, PDF </a:t>
             </a:r>
             <a:r>
-              <a:rPr lang="pt-BR" dirty="0" err="1" smtClean="0"/>
+              <a:rPr lang="pt-BR" dirty="0" err="1"/>
               <a:t>etc</a:t>
             </a:r>
             <a:r>
-              <a:rPr lang="pt-BR" dirty="0" smtClean="0"/>
+              <a:rPr lang="pt-BR" dirty="0"/>
               <a:t>;</a:t>
             </a:r>
             <a:br>
-              <a:rPr lang="pt-BR" dirty="0" smtClean="0"/>
+              <a:rPr lang="pt-BR" dirty="0"/>
             </a:br>
-            <a:endParaRPr lang="pt-BR" dirty="0" smtClean="0"/>
-          </a:p>
-          <a:p>
-            <a:r>
-              <a:rPr lang="pt-BR" dirty="0" smtClean="0"/>
+            <a:endParaRPr lang="pt-BR" dirty="0"/>
+          </a:p>
+          <a:p>
+            <a:r>
+              <a:rPr lang="pt-BR" dirty="0"/>
               <a:t>CLOB:</a:t>
             </a:r>
           </a:p>
           <a:p>
             <a:pPr lvl="1"/>
             <a:r>
-              <a:rPr lang="pt-BR" dirty="0" smtClean="0"/>
+              <a:rPr lang="pt-BR" dirty="0"/>
               <a:t>Grande quantidade de caractere;</a:t>
             </a:r>
           </a:p>
@@ -4300,17 +4298,16 @@
           </a:p>
           <a:p>
             <a:r>
-              <a:rPr lang="pt-BR" dirty="0" smtClean="0"/>
+              <a:rPr lang="pt-BR" dirty="0"/>
               <a:t>BLOB:</a:t>
             </a:r>
           </a:p>
           <a:p>
             <a:pPr lvl="1"/>
             <a:r>
-              <a:rPr lang="pt-BR" dirty="0" smtClean="0"/>
+              <a:rPr lang="pt-BR" dirty="0"/>
               <a:t>Dados binário;</a:t>
             </a:r>
-            <a:endParaRPr lang="pt-BR" dirty="0"/>
           </a:p>
         </p:txBody>
       </p:sp>
@@ -4347,13 +4344,6 @@
   <p:clrMapOvr>
     <a:masterClrMapping/>
   </p:clrMapOvr>
-  <p:timing>
-    <p:tnLst>
-      <p:par>
-        <p:cTn id="1" dur="indefinite" restart="never" nodeType="tmRoot"/>
-      </p:par>
-    </p:tnLst>
-  </p:timing>
 </p:sld>
 </file>
 
@@ -4390,7 +4380,7 @@
           <a:lstStyle/>
           <a:p>
             <a:r>
-              <a:rPr lang="pt-BR" dirty="0" err="1" smtClean="0"/>
+              <a:rPr lang="pt-BR" dirty="0" err="1"/>
               <a:t>Authorization</a:t>
             </a:r>
             <a:endParaRPr lang="pt-BR" dirty="0"/>
@@ -4415,42 +4405,42 @@
           <a:lstStyle/>
           <a:p>
             <a:r>
-              <a:rPr lang="pt-BR" dirty="0" smtClean="0"/>
+              <a:rPr lang="pt-BR" dirty="0"/>
               <a:t>Autorização para:</a:t>
             </a:r>
           </a:p>
           <a:p>
             <a:pPr lvl="1"/>
             <a:r>
-              <a:rPr lang="pt-BR" dirty="0" smtClean="0"/>
+              <a:rPr lang="pt-BR" dirty="0"/>
               <a:t>Ler Dados: SELECT;</a:t>
             </a:r>
           </a:p>
           <a:p>
             <a:pPr lvl="1"/>
             <a:r>
-              <a:rPr lang="pt-BR" dirty="0" smtClean="0"/>
+              <a:rPr lang="pt-BR" dirty="0"/>
               <a:t>Inserir novos dados: INSERT; </a:t>
             </a:r>
           </a:p>
           <a:p>
             <a:pPr lvl="1"/>
             <a:r>
-              <a:rPr lang="pt-BR" dirty="0" smtClean="0"/>
+              <a:rPr lang="pt-BR" dirty="0"/>
               <a:t>Atualizar dados: UPDATE;</a:t>
             </a:r>
           </a:p>
           <a:p>
             <a:pPr lvl="1"/>
             <a:r>
-              <a:rPr lang="pt-BR" dirty="0" smtClean="0"/>
+              <a:rPr lang="pt-BR" dirty="0"/>
               <a:t>Excluir dados: DELETE;</a:t>
             </a:r>
           </a:p>
           <a:p>
             <a:pPr lvl="1"/>
             <a:r>
-              <a:rPr lang="pt-BR" dirty="0" smtClean="0"/>
+              <a:rPr lang="pt-BR" dirty="0"/>
               <a:t>Todos: ALL;</a:t>
             </a:r>
           </a:p>
@@ -4458,27 +4448,19 @@
             <a:pPr marL="0" indent="0">
               <a:buNone/>
             </a:pPr>
-            <a:endParaRPr lang="en-US" dirty="0" smtClean="0"/>
+            <a:endParaRPr lang="en-US" dirty="0"/>
           </a:p>
           <a:p>
             <a:pPr marL="0" indent="0">
               <a:buNone/>
             </a:pPr>
             <a:r>
-              <a:rPr lang="en-US" b="1" dirty="0" smtClean="0"/>
-              <a:t>CREATE </a:t>
-            </a:r>
-            <a:r>
               <a:rPr lang="en-US" b="1" dirty="0"/>
-              <a:t>USER</a:t>
+              <a:t>CREATE USER</a:t>
             </a:r>
             <a:r>
               <a:rPr lang="en-US" dirty="0"/>
-              <a:t> </a:t>
-            </a:r>
-            <a:r>
-              <a:rPr lang="en-US" dirty="0" smtClean="0"/>
-              <a:t>'AULA' </a:t>
+              <a:t> 'AULA' </a:t>
             </a:r>
             <a:r>
               <a:rPr lang="en-US" b="1" dirty="0"/>
@@ -4511,7 +4493,7 @@
               <a:t>AULA</a:t>
             </a:r>
             <a:r>
-              <a:rPr lang="en-US" b="1" dirty="0" smtClean="0"/>
+              <a:rPr lang="en-US" b="1" dirty="0"/>
               <a:t>;</a:t>
             </a:r>
           </a:p>
@@ -4521,11 +4503,7 @@
             </a:pPr>
             <a:r>
               <a:rPr lang="en-US" b="1" dirty="0"/>
-              <a:t>REVOKE SELECT </a:t>
-            </a:r>
-            <a:r>
-              <a:rPr lang="en-US" b="1" dirty="0" smtClean="0"/>
-              <a:t>ON </a:t>
+              <a:t>REVOKE SELECT ON </a:t>
             </a:r>
             <a:r>
               <a:rPr lang="en-US" dirty="0"/>
@@ -4576,13 +4554,6 @@
   <p:clrMapOvr>
     <a:masterClrMapping/>
   </p:clrMapOvr>
-  <p:timing>
-    <p:tnLst>
-      <p:par>
-        <p:cTn id="1" dur="indefinite" restart="never" nodeType="tmRoot"/>
-      </p:par>
-    </p:tnLst>
-  </p:timing>
 </p:sld>
 </file>
 
@@ -4619,17 +4590,16 @@
           <a:lstStyle/>
           <a:p>
             <a:r>
-              <a:rPr lang="pt-BR" dirty="0" smtClean="0"/>
-              <a:t>Projeto</a:t>
-            </a:r>
-            <a:endParaRPr lang="pt-BR" dirty="0"/>
+              <a:rPr lang="pt-BR" dirty="0"/>
+              <a:t>Normalização</a:t>
+            </a:r>
           </a:p>
         </p:txBody>
       </p:sp>
     </p:spTree>
     <p:extLst>
       <p:ext uri="{BB962C8B-B14F-4D97-AF65-F5344CB8AC3E}">
-        <p14:creationId xmlns:p14="http://schemas.microsoft.com/office/powerpoint/2010/main" val="4207220579"/>
+        <p14:creationId xmlns:p14="http://schemas.microsoft.com/office/powerpoint/2010/main" val="1736952827"/>
       </p:ext>
     </p:extLst>
   </p:cSld>
@@ -4658,7 +4628,13 @@
       </p:grpSpPr>
       <p:sp>
         <p:nvSpPr>
-          <p:cNvPr id="2" name="Título 1"/>
+          <p:cNvPr id="2" name="Título 1">
+            <a:extLst>
+              <a:ext uri="{FF2B5EF4-FFF2-40B4-BE49-F238E27FC236}">
+                <a16:creationId xmlns:a16="http://schemas.microsoft.com/office/drawing/2014/main" id="{39C50941-0FFB-41E7-8389-D509F77EAB01}"/>
+              </a:ext>
+            </a:extLst>
+          </p:cNvPr>
           <p:cNvSpPr>
             <a:spLocks noGrp="1"/>
           </p:cNvSpPr>
@@ -4672,71 +4648,114 @@
           <a:lstStyle/>
           <a:p>
             <a:r>
-              <a:rPr lang="pt-BR" dirty="0" smtClean="0"/>
-              <a:t>Fases de Projeto</a:t>
-            </a:r>
+              <a:rPr lang="pt-BR" dirty="0"/>
+              <a:t>Normalização</a:t>
+            </a:r>
+          </a:p>
+        </p:txBody>
+      </p:sp>
+      <p:sp>
+        <p:nvSpPr>
+          <p:cNvPr id="3" name="Espaço Reservado para Conteúdo 2">
+            <a:extLst>
+              <a:ext uri="{FF2B5EF4-FFF2-40B4-BE49-F238E27FC236}">
+                <a16:creationId xmlns:a16="http://schemas.microsoft.com/office/drawing/2014/main" id="{0B5905D0-EC5D-4EC3-B626-ACCF8FC41076}"/>
+              </a:ext>
+            </a:extLst>
+          </p:cNvPr>
+          <p:cNvSpPr>
+            <a:spLocks noGrp="1"/>
+          </p:cNvSpPr>
+          <p:nvPr>
+            <p:ph idx="1"/>
+          </p:nvPr>
+        </p:nvSpPr>
+        <p:spPr/>
+        <p:txBody>
+          <a:bodyPr>
+            <a:normAutofit fontScale="92500" lnSpcReduction="10000"/>
+          </a:bodyPr>
+          <a:lstStyle/>
+          <a:p>
+            <a:r>
+              <a:rPr lang="pt-BR" dirty="0"/>
+              <a:t>Conjunto de regras que visa organização de um projeto de banco de dados para:</a:t>
+            </a:r>
+          </a:p>
+          <a:p>
+            <a:pPr lvl="1"/>
+            <a:r>
+              <a:rPr lang="pt-BR" dirty="0"/>
+              <a:t>Evitar redundâncias;</a:t>
+            </a:r>
+          </a:p>
+          <a:p>
+            <a:pPr lvl="1"/>
+            <a:r>
+              <a:rPr lang="pt-BR" dirty="0"/>
+              <a:t>Aumentar a integridade dos dados;</a:t>
+            </a:r>
+          </a:p>
+          <a:p>
+            <a:pPr lvl="1"/>
+            <a:r>
+              <a:rPr lang="pt-BR" dirty="0"/>
+              <a:t>Aumentar desempenho;</a:t>
+            </a:r>
+          </a:p>
+          <a:p>
+            <a:pPr marL="0" indent="0">
+              <a:buNone/>
+            </a:pPr>
             <a:endParaRPr lang="pt-BR" dirty="0"/>
           </a:p>
-        </p:txBody>
-      </p:sp>
-      <p:sp>
-        <p:nvSpPr>
-          <p:cNvPr id="3" name="Espaço Reservado para Conteúdo 2"/>
-          <p:cNvSpPr>
-            <a:spLocks noGrp="1"/>
-          </p:cNvSpPr>
-          <p:nvPr>
-            <p:ph idx="1"/>
-          </p:nvPr>
-        </p:nvSpPr>
-        <p:spPr/>
-        <p:txBody>
-          <a:bodyPr>
-            <a:normAutofit/>
-          </a:bodyPr>
-          <a:lstStyle/>
-          <a:p>
-            <a:r>
-              <a:rPr lang="pt-BR" dirty="0" smtClean="0"/>
-              <a:t>Levantar as necessidades dos usuários;</a:t>
-            </a:r>
-          </a:p>
-          <a:p>
+          <a:p>
+            <a:r>
+              <a:rPr lang="pt-BR" dirty="0"/>
+              <a:t>Principais:</a:t>
+            </a:r>
+          </a:p>
+          <a:p>
+            <a:pPr lvl="1"/>
+            <a:r>
+              <a:rPr lang="pt-BR" dirty="0"/>
+              <a:t>1ª, 2</a:t>
+            </a:r>
+            <a:r>
+              <a:rPr lang="pt-BR" sz="2800" dirty="0"/>
+              <a:t>ª e 3ª;</a:t>
+            </a:r>
             <a:endParaRPr lang="pt-BR" dirty="0"/>
           </a:p>
           <a:p>
-            <a:r>
-              <a:rPr lang="pt-BR" dirty="0" smtClean="0"/>
-              <a:t>Levantar os requisitos funcionais e não funcionais do sistema;</a:t>
-            </a:r>
-          </a:p>
-          <a:p>
             <a:endParaRPr lang="pt-BR" dirty="0"/>
           </a:p>
           <a:p>
             <a:r>
-              <a:rPr lang="pt-BR" dirty="0" smtClean="0"/>
-              <a:t>Caracterizar  as necessidades de </a:t>
-            </a:r>
-            <a:r>
-              <a:rPr lang="pt-BR" b="1" dirty="0" smtClean="0"/>
-              <a:t>dados</a:t>
-            </a:r>
-            <a:r>
-              <a:rPr lang="pt-BR" dirty="0" smtClean="0"/>
-              <a:t> dos usuários do banco;</a:t>
+              <a:rPr lang="pt-BR" dirty="0"/>
+              <a:t>Não precisa estar tudo normalizado!</a:t>
             </a:r>
           </a:p>
           <a:p>
             <a:pPr lvl="1"/>
-            <a:endParaRPr lang="pt-BR" dirty="0" smtClean="0"/>
+            <a:r>
+              <a:rPr lang="pt-BR" dirty="0" err="1"/>
+              <a:t>NoSQL</a:t>
+            </a:r>
+            <a:r>
+              <a:rPr lang="pt-BR" dirty="0"/>
+              <a:t>...</a:t>
+            </a:r>
+          </a:p>
+          <a:p>
+            <a:endParaRPr lang="pt-BR" dirty="0"/>
           </a:p>
         </p:txBody>
       </p:sp>
     </p:spTree>
     <p:extLst>
       <p:ext uri="{BB962C8B-B14F-4D97-AF65-F5344CB8AC3E}">
-        <p14:creationId xmlns:p14="http://schemas.microsoft.com/office/powerpoint/2010/main" val="1690569706"/>
+        <p14:creationId xmlns:p14="http://schemas.microsoft.com/office/powerpoint/2010/main" val="3303386305"/>
       </p:ext>
     </p:extLst>
   </p:cSld>
@@ -4765,7 +4784,13 @@
       </p:grpSpPr>
       <p:sp>
         <p:nvSpPr>
-          <p:cNvPr id="2" name="Título 1"/>
+          <p:cNvPr id="2" name="Título 1">
+            <a:extLst>
+              <a:ext uri="{FF2B5EF4-FFF2-40B4-BE49-F238E27FC236}">
+                <a16:creationId xmlns:a16="http://schemas.microsoft.com/office/drawing/2014/main" id="{B998A6B9-2382-455E-A747-F162D3220C5F}"/>
+              </a:ext>
+            </a:extLst>
+          </p:cNvPr>
           <p:cNvSpPr>
             <a:spLocks noGrp="1"/>
           </p:cNvSpPr>
@@ -4780,14 +4805,20 @@
           <a:p>
             <a:r>
               <a:rPr lang="pt-BR" dirty="0"/>
-              <a:t>Fases de Projeto</a:t>
-            </a:r>
-          </a:p>
-        </p:txBody>
-      </p:sp>
-      <p:sp>
-        <p:nvSpPr>
-          <p:cNvPr id="3" name="Espaço Reservado para Conteúdo 2"/>
+              <a:t>1ª Forma Normal (1FN)</a:t>
+            </a:r>
+          </a:p>
+        </p:txBody>
+      </p:sp>
+      <p:sp>
+        <p:nvSpPr>
+          <p:cNvPr id="3" name="Espaço Reservado para Conteúdo 2">
+            <a:extLst>
+              <a:ext uri="{FF2B5EF4-FFF2-40B4-BE49-F238E27FC236}">
+                <a16:creationId xmlns:a16="http://schemas.microsoft.com/office/drawing/2014/main" id="{0B950142-53CD-43D0-B2EC-44C9011706DC}"/>
+              </a:ext>
+            </a:extLst>
+          </p:cNvPr>
           <p:cNvSpPr>
             <a:spLocks noGrp="1"/>
           </p:cNvSpPr>
@@ -4797,51 +4828,85 @@
         </p:nvSpPr>
         <p:spPr/>
         <p:txBody>
-          <a:bodyPr/>
-          <a:lstStyle/>
-          <a:p>
-            <a:r>
-              <a:rPr lang="pt-BR" dirty="0" smtClean="0"/>
-              <a:t>Projeto Lógico:</a:t>
+          <a:bodyPr>
+            <a:normAutofit/>
+          </a:bodyPr>
+          <a:lstStyle/>
+          <a:p>
+            <a:r>
+              <a:rPr lang="pt-BR" dirty="0"/>
+              <a:t>O esquema está na primeira forma normal se:</a:t>
             </a:r>
           </a:p>
           <a:p>
             <a:pPr lvl="1"/>
             <a:r>
-              <a:rPr lang="pt-BR" dirty="0" smtClean="0"/>
-              <a:t>Modelo E-R;</a:t>
+              <a:rPr lang="pt-BR" dirty="0"/>
+              <a:t>Os domínios de todos os atributos forem atômicos:</a:t>
+            </a:r>
+          </a:p>
+          <a:p>
+            <a:pPr lvl="2"/>
+            <a:r>
+              <a:rPr lang="pt-BR" dirty="0"/>
+              <a:t>Os atributos não possuem qualquer subestrutura;</a:t>
+            </a:r>
+          </a:p>
+          <a:p>
+            <a:pPr lvl="2"/>
+            <a:r>
+              <a:rPr lang="pt-BR" dirty="0"/>
+              <a:t>Os atributos não possuem grupos ou valores repetidos;</a:t>
+            </a:r>
+          </a:p>
+          <a:p>
+            <a:pPr lvl="2"/>
+            <a:endParaRPr lang="pt-BR" dirty="0"/>
+          </a:p>
+          <a:p>
+            <a:r>
+              <a:rPr lang="pt-BR" dirty="0"/>
+              <a:t>Procedimentos:</a:t>
             </a:r>
           </a:p>
           <a:p>
             <a:pPr lvl="1"/>
+            <a:r>
+              <a:rPr lang="pt-BR" dirty="0"/>
+              <a:t>Identificar a chave primária;</a:t>
+            </a:r>
+          </a:p>
+          <a:p>
+            <a:pPr lvl="1"/>
+            <a:r>
+              <a:rPr lang="pt-BR" dirty="0"/>
+              <a:t>Identificar atributos que existem repetições de valores;</a:t>
+            </a:r>
+          </a:p>
+          <a:p>
+            <a:pPr lvl="1"/>
+            <a:r>
+              <a:rPr lang="pt-BR" dirty="0"/>
+              <a:t>Crie uma nova tabela para estes valores;</a:t>
+            </a:r>
+          </a:p>
+          <a:p>
+            <a:pPr lvl="1"/>
+            <a:r>
+              <a:rPr lang="pt-BR" dirty="0"/>
+              <a:t>Crie uma relação entre as duas tabelas;</a:t>
+            </a:r>
+          </a:p>
+          <a:p>
+            <a:pPr lvl="2"/>
             <a:endParaRPr lang="pt-BR" dirty="0"/>
-          </a:p>
-          <a:p>
-            <a:r>
-              <a:rPr lang="pt-BR" dirty="0" smtClean="0"/>
-              <a:t>Projeto Físico:</a:t>
-            </a:r>
-          </a:p>
-          <a:p>
-            <a:pPr lvl="1"/>
-            <a:r>
-              <a:rPr lang="pt-BR" dirty="0" smtClean="0"/>
-              <a:t>Uso do esquema do banco de dados específico;</a:t>
-            </a:r>
-          </a:p>
-          <a:p>
-            <a:pPr lvl="1"/>
-            <a:r>
-              <a:rPr lang="pt-BR" dirty="0" smtClean="0"/>
-              <a:t>MySQL;</a:t>
-            </a:r>
           </a:p>
         </p:txBody>
       </p:sp>
     </p:spTree>
     <p:extLst>
       <p:ext uri="{BB962C8B-B14F-4D97-AF65-F5344CB8AC3E}">
-        <p14:creationId xmlns:p14="http://schemas.microsoft.com/office/powerpoint/2010/main" val="3216471447"/>
+        <p14:creationId xmlns:p14="http://schemas.microsoft.com/office/powerpoint/2010/main" val="2173174203"/>
       </p:ext>
     </p:extLst>
   </p:cSld>
@@ -4870,6 +4935,618 @@
       </p:grpSpPr>
       <p:sp>
         <p:nvSpPr>
+          <p:cNvPr id="2" name="Título 1">
+            <a:extLst>
+              <a:ext uri="{FF2B5EF4-FFF2-40B4-BE49-F238E27FC236}">
+                <a16:creationId xmlns:a16="http://schemas.microsoft.com/office/drawing/2014/main" id="{1D3E9D57-E052-40A7-8105-82DE9E3EF655}"/>
+              </a:ext>
+            </a:extLst>
+          </p:cNvPr>
+          <p:cNvSpPr>
+            <a:spLocks noGrp="1"/>
+          </p:cNvSpPr>
+          <p:nvPr>
+            <p:ph type="title"/>
+          </p:nvPr>
+        </p:nvSpPr>
+        <p:spPr/>
+        <p:txBody>
+          <a:bodyPr/>
+          <a:lstStyle/>
+          <a:p>
+            <a:r>
+              <a:rPr lang="pt-BR" dirty="0"/>
+              <a:t>1ª Forma Normal (1FN)</a:t>
+            </a:r>
+          </a:p>
+        </p:txBody>
+      </p:sp>
+      <p:sp>
+        <p:nvSpPr>
+          <p:cNvPr id="3" name="Espaço Reservado para Conteúdo 2">
+            <a:extLst>
+              <a:ext uri="{FF2B5EF4-FFF2-40B4-BE49-F238E27FC236}">
+                <a16:creationId xmlns:a16="http://schemas.microsoft.com/office/drawing/2014/main" id="{FF88A628-FE7F-4DCD-B9D4-A3429D042FA4}"/>
+              </a:ext>
+            </a:extLst>
+          </p:cNvPr>
+          <p:cNvSpPr>
+            <a:spLocks noGrp="1"/>
+          </p:cNvSpPr>
+          <p:nvPr>
+            <p:ph idx="1"/>
+          </p:nvPr>
+        </p:nvSpPr>
+        <p:spPr/>
+        <p:txBody>
+          <a:bodyPr>
+            <a:normAutofit fontScale="85000" lnSpcReduction="20000"/>
+          </a:bodyPr>
+          <a:lstStyle/>
+          <a:p>
+            <a:r>
+              <a:rPr lang="pt-BR" dirty="0"/>
+              <a:t>Atributo: Endereço:</a:t>
+            </a:r>
+            <a:br>
+              <a:rPr lang="pt-BR" dirty="0"/>
+            </a:br>
+            <a:r>
+              <a:rPr lang="pt-BR" dirty="0"/>
+              <a:t>	Av. sete de Setembro, 1234, Rebouças, Curitiba, Paraná, </a:t>
+            </a:r>
+            <a:r>
+              <a:rPr lang="pt-BR" dirty="0" err="1"/>
+              <a:t>Brazil</a:t>
+            </a:r>
+            <a:r>
+              <a:rPr lang="pt-BR" dirty="0"/>
+              <a:t>;</a:t>
+            </a:r>
+          </a:p>
+          <a:p>
+            <a:pPr lvl="1"/>
+            <a:endParaRPr lang="pt-BR" dirty="0"/>
+          </a:p>
+          <a:p>
+            <a:r>
+              <a:rPr lang="pt-BR" dirty="0"/>
+              <a:t>Decompondo:</a:t>
+            </a:r>
+          </a:p>
+          <a:p>
+            <a:pPr lvl="2"/>
+            <a:r>
+              <a:rPr lang="pt-BR" dirty="0"/>
+              <a:t>Rua: Av. sete de Setembro</a:t>
+            </a:r>
+          </a:p>
+          <a:p>
+            <a:pPr lvl="2"/>
+            <a:r>
+              <a:rPr lang="pt-BR" dirty="0"/>
+              <a:t>Número: 1234</a:t>
+            </a:r>
+          </a:p>
+          <a:p>
+            <a:pPr lvl="2"/>
+            <a:r>
+              <a:rPr lang="pt-BR" dirty="0"/>
+              <a:t>Bairro: Rebouças</a:t>
+            </a:r>
+          </a:p>
+          <a:p>
+            <a:pPr lvl="2"/>
+            <a:r>
+              <a:rPr lang="pt-BR" dirty="0"/>
+              <a:t>Cidade: Curitiba</a:t>
+            </a:r>
+          </a:p>
+          <a:p>
+            <a:pPr lvl="2"/>
+            <a:r>
+              <a:rPr lang="pt-BR" dirty="0"/>
+              <a:t>Estado: Paraná</a:t>
+            </a:r>
+          </a:p>
+          <a:p>
+            <a:pPr lvl="2"/>
+            <a:r>
+              <a:rPr lang="pt-BR" dirty="0"/>
+              <a:t>País: </a:t>
+            </a:r>
+            <a:r>
+              <a:rPr lang="pt-BR" dirty="0" err="1"/>
+              <a:t>Brazil</a:t>
+            </a:r>
+            <a:endParaRPr lang="pt-BR" dirty="0"/>
+          </a:p>
+          <a:p>
+            <a:pPr lvl="1"/>
+            <a:endParaRPr lang="pt-BR" dirty="0"/>
+          </a:p>
+          <a:p>
+            <a:r>
+              <a:rPr lang="pt-BR" dirty="0"/>
+              <a:t>Ainda não está normalizado!</a:t>
+            </a:r>
+          </a:p>
+          <a:p>
+            <a:pPr lvl="2"/>
+            <a:r>
+              <a:rPr lang="pt-BR" dirty="0"/>
+              <a:t>É possível decompor em outras tabelas.</a:t>
+            </a:r>
+          </a:p>
+        </p:txBody>
+      </p:sp>
+    </p:spTree>
+    <p:extLst>
+      <p:ext uri="{BB962C8B-B14F-4D97-AF65-F5344CB8AC3E}">
+        <p14:creationId xmlns:p14="http://schemas.microsoft.com/office/powerpoint/2010/main" val="3802289868"/>
+      </p:ext>
+    </p:extLst>
+  </p:cSld>
+  <p:clrMapOvr>
+    <a:masterClrMapping/>
+  </p:clrMapOvr>
+</p:sld>
+</file>
+
+<file path=ppt/slides/slide17.xml><?xml version="1.0" encoding="utf-8"?>
+<p:sld xmlns:a="http://schemas.openxmlformats.org/drawingml/2006/main" xmlns:r="http://schemas.openxmlformats.org/officeDocument/2006/relationships" xmlns:p="http://schemas.openxmlformats.org/presentationml/2006/main">
+  <p:cSld>
+    <p:spTree>
+      <p:nvGrpSpPr>
+        <p:cNvPr id="1" name=""/>
+        <p:cNvGrpSpPr/>
+        <p:nvPr/>
+      </p:nvGrpSpPr>
+      <p:grpSpPr>
+        <a:xfrm>
+          <a:off x="0" y="0"/>
+          <a:ext cx="0" cy="0"/>
+          <a:chOff x="0" y="0"/>
+          <a:chExt cx="0" cy="0"/>
+        </a:xfrm>
+      </p:grpSpPr>
+      <p:sp>
+        <p:nvSpPr>
+          <p:cNvPr id="2" name="Título 1">
+            <a:extLst>
+              <a:ext uri="{FF2B5EF4-FFF2-40B4-BE49-F238E27FC236}">
+                <a16:creationId xmlns:a16="http://schemas.microsoft.com/office/drawing/2014/main" id="{81B6164F-C49F-4B8D-A96C-64E3AA528B2F}"/>
+              </a:ext>
+            </a:extLst>
+          </p:cNvPr>
+          <p:cNvSpPr>
+            <a:spLocks noGrp="1"/>
+          </p:cNvSpPr>
+          <p:nvPr>
+            <p:ph type="title"/>
+          </p:nvPr>
+        </p:nvSpPr>
+        <p:spPr/>
+        <p:txBody>
+          <a:bodyPr/>
+          <a:lstStyle/>
+          <a:p>
+            <a:r>
+              <a:rPr lang="pt-BR" dirty="0"/>
+              <a:t>2ª Forma Normal(2FN)</a:t>
+            </a:r>
+          </a:p>
+        </p:txBody>
+      </p:sp>
+      <p:sp>
+        <p:nvSpPr>
+          <p:cNvPr id="3" name="Espaço Reservado para Conteúdo 2">
+            <a:extLst>
+              <a:ext uri="{FF2B5EF4-FFF2-40B4-BE49-F238E27FC236}">
+                <a16:creationId xmlns:a16="http://schemas.microsoft.com/office/drawing/2014/main" id="{4F30B775-AE13-473F-90D8-6C478AF1F2B6}"/>
+              </a:ext>
+            </a:extLst>
+          </p:cNvPr>
+          <p:cNvSpPr>
+            <a:spLocks noGrp="1"/>
+          </p:cNvSpPr>
+          <p:nvPr>
+            <p:ph idx="1"/>
+          </p:nvPr>
+        </p:nvSpPr>
+        <p:spPr/>
+        <p:txBody>
+          <a:bodyPr/>
+          <a:lstStyle/>
+          <a:p>
+            <a:r>
+              <a:rPr lang="pt-BR" dirty="0"/>
+              <a:t>O esquema está na 2FN se:</a:t>
+            </a:r>
+          </a:p>
+          <a:p>
+            <a:pPr lvl="1"/>
+            <a:r>
+              <a:rPr lang="pt-BR" dirty="0"/>
+              <a:t>Estiver na 1FN;</a:t>
+            </a:r>
+          </a:p>
+          <a:p>
+            <a:pPr lvl="1"/>
+            <a:r>
+              <a:rPr lang="pt-BR" dirty="0"/>
+              <a:t>Os atributos “Não Chave” forem totalmente dependentes da chave primária;</a:t>
+            </a:r>
+          </a:p>
+          <a:p>
+            <a:pPr lvl="1"/>
+            <a:endParaRPr lang="pt-BR" dirty="0"/>
+          </a:p>
+          <a:p>
+            <a:r>
+              <a:rPr lang="pt-BR" dirty="0"/>
+              <a:t>Procedimentos:</a:t>
+            </a:r>
+          </a:p>
+          <a:p>
+            <a:pPr lvl="1"/>
+            <a:r>
+              <a:rPr lang="pt-BR" dirty="0"/>
+              <a:t>Identificar os atributos que não dependem da chave primária;</a:t>
+            </a:r>
+          </a:p>
+          <a:p>
+            <a:pPr lvl="1"/>
+            <a:r>
+              <a:rPr lang="pt-BR" dirty="0"/>
+              <a:t>Remover da entidade estes atributos;</a:t>
+            </a:r>
+          </a:p>
+          <a:p>
+            <a:pPr lvl="1"/>
+            <a:r>
+              <a:rPr lang="pt-BR" dirty="0"/>
+              <a:t>Criar novas tabelas para estes atributos;</a:t>
+            </a:r>
+          </a:p>
+          <a:p>
+            <a:endParaRPr lang="pt-BR" dirty="0"/>
+          </a:p>
+        </p:txBody>
+      </p:sp>
+    </p:spTree>
+    <p:extLst>
+      <p:ext uri="{BB962C8B-B14F-4D97-AF65-F5344CB8AC3E}">
+        <p14:creationId xmlns:p14="http://schemas.microsoft.com/office/powerpoint/2010/main" val="4094229288"/>
+      </p:ext>
+    </p:extLst>
+  </p:cSld>
+  <p:clrMapOvr>
+    <a:masterClrMapping/>
+  </p:clrMapOvr>
+</p:sld>
+</file>
+
+<file path=ppt/slides/slide18.xml><?xml version="1.0" encoding="utf-8"?>
+<p:sld xmlns:a="http://schemas.openxmlformats.org/drawingml/2006/main" xmlns:r="http://schemas.openxmlformats.org/officeDocument/2006/relationships" xmlns:p="http://schemas.openxmlformats.org/presentationml/2006/main">
+  <p:cSld>
+    <p:spTree>
+      <p:nvGrpSpPr>
+        <p:cNvPr id="1" name=""/>
+        <p:cNvGrpSpPr/>
+        <p:nvPr/>
+      </p:nvGrpSpPr>
+      <p:grpSpPr>
+        <a:xfrm>
+          <a:off x="0" y="0"/>
+          <a:ext cx="0" cy="0"/>
+          <a:chOff x="0" y="0"/>
+          <a:chExt cx="0" cy="0"/>
+        </a:xfrm>
+      </p:grpSpPr>
+      <p:sp>
+        <p:nvSpPr>
+          <p:cNvPr id="2" name="Título 1">
+            <a:extLst>
+              <a:ext uri="{FF2B5EF4-FFF2-40B4-BE49-F238E27FC236}">
+                <a16:creationId xmlns:a16="http://schemas.microsoft.com/office/drawing/2014/main" id="{9EA4B239-172B-4118-AF58-29E9FE5C45EA}"/>
+              </a:ext>
+            </a:extLst>
+          </p:cNvPr>
+          <p:cNvSpPr>
+            <a:spLocks noGrp="1"/>
+          </p:cNvSpPr>
+          <p:nvPr>
+            <p:ph type="title"/>
+          </p:nvPr>
+        </p:nvSpPr>
+        <p:spPr/>
+        <p:txBody>
+          <a:bodyPr/>
+          <a:lstStyle/>
+          <a:p>
+            <a:r>
+              <a:rPr lang="pt-BR" dirty="0"/>
+              <a:t>2ª Forma Normal(2FN)</a:t>
+            </a:r>
+          </a:p>
+        </p:txBody>
+      </p:sp>
+      <p:sp>
+        <p:nvSpPr>
+          <p:cNvPr id="3" name="Espaço Reservado para Conteúdo 2">
+            <a:extLst>
+              <a:ext uri="{FF2B5EF4-FFF2-40B4-BE49-F238E27FC236}">
+                <a16:creationId xmlns:a16="http://schemas.microsoft.com/office/drawing/2014/main" id="{367090BC-7B0A-4C69-A8BA-AC9FC36C5651}"/>
+              </a:ext>
+            </a:extLst>
+          </p:cNvPr>
+          <p:cNvSpPr>
+            <a:spLocks noGrp="1"/>
+          </p:cNvSpPr>
+          <p:nvPr>
+            <p:ph idx="1"/>
+          </p:nvPr>
+        </p:nvSpPr>
+        <p:spPr/>
+        <p:txBody>
+          <a:bodyPr>
+            <a:normAutofit lnSpcReduction="10000"/>
+          </a:bodyPr>
+          <a:lstStyle/>
+          <a:p>
+            <a:r>
+              <a:rPr lang="pt-BR" dirty="0"/>
+              <a:t>Pedido (</a:t>
+            </a:r>
+            <a:r>
+              <a:rPr lang="pt-BR" u="sng" dirty="0"/>
+              <a:t>Nº Pedido</a:t>
+            </a:r>
+            <a:r>
+              <a:rPr lang="pt-BR" dirty="0"/>
+              <a:t>, Código Produto, Descrição Produto, Valor Item, Preço Item, Total)</a:t>
+            </a:r>
+          </a:p>
+          <a:p>
+            <a:pPr lvl="2"/>
+            <a:endParaRPr lang="pt-BR" dirty="0"/>
+          </a:p>
+          <a:p>
+            <a:r>
+              <a:rPr lang="pt-BR" dirty="0"/>
+              <a:t>Descrição Produto não depende da chave primária!</a:t>
+            </a:r>
+          </a:p>
+          <a:p>
+            <a:pPr lvl="1"/>
+            <a:r>
+              <a:rPr lang="pt-BR" dirty="0"/>
+              <a:t>Assim, Código Produto e Descrição Produto podem virar uma nova tabela;</a:t>
+            </a:r>
+          </a:p>
+          <a:p>
+            <a:pPr lvl="2"/>
+            <a:endParaRPr lang="pt-BR" dirty="0"/>
+          </a:p>
+          <a:p>
+            <a:pPr lvl="2"/>
+            <a:r>
+              <a:rPr lang="pt-BR" dirty="0"/>
+              <a:t>Pedido (</a:t>
+            </a:r>
+            <a:r>
+              <a:rPr lang="pt-BR" u="sng" dirty="0"/>
+              <a:t>Nº Pedido</a:t>
+            </a:r>
+            <a:r>
+              <a:rPr lang="pt-BR" dirty="0"/>
+              <a:t>, Código Produto, Valor Item, Preço Item, Total)</a:t>
+            </a:r>
+          </a:p>
+          <a:p>
+            <a:pPr lvl="2"/>
+            <a:endParaRPr lang="pt-BR" dirty="0"/>
+          </a:p>
+          <a:p>
+            <a:pPr lvl="2"/>
+            <a:r>
+              <a:rPr lang="pt-BR" dirty="0"/>
+              <a:t>Produto (</a:t>
+            </a:r>
+            <a:r>
+              <a:rPr lang="pt-BR" u="sng" dirty="0"/>
+              <a:t>Código Produto</a:t>
+            </a:r>
+            <a:r>
+              <a:rPr lang="pt-BR" dirty="0"/>
+              <a:t>, Descrição Produto)</a:t>
+            </a:r>
+          </a:p>
+          <a:p>
+            <a:pPr lvl="2"/>
+            <a:endParaRPr lang="pt-BR" dirty="0"/>
+          </a:p>
+          <a:p>
+            <a:pPr lvl="2"/>
+            <a:endParaRPr lang="pt-BR" dirty="0"/>
+          </a:p>
+          <a:p>
+            <a:pPr lvl="1"/>
+            <a:endParaRPr lang="pt-BR" dirty="0"/>
+          </a:p>
+        </p:txBody>
+      </p:sp>
+    </p:spTree>
+    <p:extLst>
+      <p:ext uri="{BB962C8B-B14F-4D97-AF65-F5344CB8AC3E}">
+        <p14:creationId xmlns:p14="http://schemas.microsoft.com/office/powerpoint/2010/main" val="3092978080"/>
+      </p:ext>
+    </p:extLst>
+  </p:cSld>
+  <p:clrMapOvr>
+    <a:masterClrMapping/>
+  </p:clrMapOvr>
+</p:sld>
+</file>
+
+<file path=ppt/slides/slide19.xml><?xml version="1.0" encoding="utf-8"?>
+<p:sld xmlns:a="http://schemas.openxmlformats.org/drawingml/2006/main" xmlns:r="http://schemas.openxmlformats.org/officeDocument/2006/relationships" xmlns:p="http://schemas.openxmlformats.org/presentationml/2006/main">
+  <p:cSld>
+    <p:spTree>
+      <p:nvGrpSpPr>
+        <p:cNvPr id="1" name=""/>
+        <p:cNvGrpSpPr/>
+        <p:nvPr/>
+      </p:nvGrpSpPr>
+      <p:grpSpPr>
+        <a:xfrm>
+          <a:off x="0" y="0"/>
+          <a:ext cx="0" cy="0"/>
+          <a:chOff x="0" y="0"/>
+          <a:chExt cx="0" cy="0"/>
+        </a:xfrm>
+      </p:grpSpPr>
+      <p:sp>
+        <p:nvSpPr>
+          <p:cNvPr id="2" name="Título 1">
+            <a:extLst>
+              <a:ext uri="{FF2B5EF4-FFF2-40B4-BE49-F238E27FC236}">
+                <a16:creationId xmlns:a16="http://schemas.microsoft.com/office/drawing/2014/main" id="{2FD474D8-AC21-4F7F-88AA-CE10694ECC97}"/>
+              </a:ext>
+            </a:extLst>
+          </p:cNvPr>
+          <p:cNvSpPr>
+            <a:spLocks noGrp="1"/>
+          </p:cNvSpPr>
+          <p:nvPr>
+            <p:ph type="title"/>
+          </p:nvPr>
+        </p:nvSpPr>
+        <p:spPr/>
+        <p:txBody>
+          <a:bodyPr/>
+          <a:lstStyle/>
+          <a:p>
+            <a:r>
+              <a:rPr lang="pt-BR" dirty="0"/>
+              <a:t>3ª Forma Normal(3FN)</a:t>
+            </a:r>
+          </a:p>
+        </p:txBody>
+      </p:sp>
+      <p:sp>
+        <p:nvSpPr>
+          <p:cNvPr id="3" name="Espaço Reservado para Conteúdo 2">
+            <a:extLst>
+              <a:ext uri="{FF2B5EF4-FFF2-40B4-BE49-F238E27FC236}">
+                <a16:creationId xmlns:a16="http://schemas.microsoft.com/office/drawing/2014/main" id="{33C52192-A428-4E0F-AE47-924F5D76EAF0}"/>
+              </a:ext>
+            </a:extLst>
+          </p:cNvPr>
+          <p:cNvSpPr>
+            <a:spLocks noGrp="1"/>
+          </p:cNvSpPr>
+          <p:nvPr>
+            <p:ph idx="1"/>
+          </p:nvPr>
+        </p:nvSpPr>
+        <p:spPr/>
+        <p:txBody>
+          <a:bodyPr/>
+          <a:lstStyle/>
+          <a:p>
+            <a:r>
+              <a:rPr lang="pt-BR" dirty="0"/>
+              <a:t>O esquema está na 3FN se:</a:t>
+            </a:r>
+          </a:p>
+          <a:p>
+            <a:pPr lvl="1"/>
+            <a:r>
+              <a:rPr lang="pt-BR" dirty="0"/>
+              <a:t>Estiver na segunda norma:</a:t>
+            </a:r>
+          </a:p>
+          <a:p>
+            <a:pPr lvl="1"/>
+            <a:r>
+              <a:rPr lang="pt-BR" dirty="0"/>
+              <a:t>Não tiver dependência transitiva:</a:t>
+            </a:r>
+          </a:p>
+          <a:p>
+            <a:pPr lvl="2"/>
+            <a:r>
+              <a:rPr lang="pt-BR" dirty="0"/>
+              <a:t>Todos os atributos devem ser independentes;</a:t>
+            </a:r>
+          </a:p>
+          <a:p>
+            <a:pPr lvl="2"/>
+            <a:endParaRPr lang="pt-BR" dirty="0"/>
+          </a:p>
+          <a:p>
+            <a:r>
+              <a:rPr lang="pt-BR" dirty="0"/>
+              <a:t>Exemplo: </a:t>
+            </a:r>
+          </a:p>
+          <a:p>
+            <a:pPr lvl="1"/>
+            <a:r>
+              <a:rPr lang="pt-BR" dirty="0"/>
+              <a:t>Pedido(Id, Item, Preço, Quantidade, Valor)</a:t>
+            </a:r>
+          </a:p>
+          <a:p>
+            <a:pPr lvl="2"/>
+            <a:r>
+              <a:rPr lang="pt-BR" dirty="0"/>
+              <a:t>Dependência:</a:t>
+            </a:r>
+          </a:p>
+          <a:p>
+            <a:pPr lvl="3"/>
+            <a:r>
+              <a:rPr lang="pt-BR" dirty="0"/>
+              <a:t>Valor = Preço x Quantidade!</a:t>
+            </a:r>
+          </a:p>
+        </p:txBody>
+      </p:sp>
+    </p:spTree>
+    <p:extLst>
+      <p:ext uri="{BB962C8B-B14F-4D97-AF65-F5344CB8AC3E}">
+        <p14:creationId xmlns:p14="http://schemas.microsoft.com/office/powerpoint/2010/main" val="1773271320"/>
+      </p:ext>
+    </p:extLst>
+  </p:cSld>
+  <p:clrMapOvr>
+    <a:masterClrMapping/>
+  </p:clrMapOvr>
+</p:sld>
+</file>
+
+<file path=ppt/slides/slide2.xml><?xml version="1.0" encoding="utf-8"?>
+<p:sld xmlns:a="http://schemas.openxmlformats.org/drawingml/2006/main" xmlns:r="http://schemas.openxmlformats.org/officeDocument/2006/relationships" xmlns:p="http://schemas.openxmlformats.org/presentationml/2006/main">
+  <p:cSld>
+    <p:spTree>
+      <p:nvGrpSpPr>
+        <p:cNvPr id="1" name=""/>
+        <p:cNvGrpSpPr/>
+        <p:nvPr/>
+      </p:nvGrpSpPr>
+      <p:grpSpPr>
+        <a:xfrm>
+          <a:off x="0" y="0"/>
+          <a:ext cx="0" cy="0"/>
+          <a:chOff x="0" y="0"/>
+          <a:chExt cx="0" cy="0"/>
+        </a:xfrm>
+      </p:grpSpPr>
+      <p:sp>
+        <p:nvSpPr>
           <p:cNvPr id="2" name="Título 1"/>
           <p:cNvSpPr>
             <a:spLocks noGrp="1"/>
@@ -4884,10 +5561,343 @@
           <a:lstStyle/>
           <a:p>
             <a:r>
-              <a:rPr lang="pt-BR" dirty="0" smtClean="0"/>
+              <a:rPr lang="pt-BR" dirty="0"/>
+              <a:t>SQL Parte 2</a:t>
+            </a:r>
+          </a:p>
+        </p:txBody>
+      </p:sp>
+      <p:sp>
+        <p:nvSpPr>
+          <p:cNvPr id="4" name="Espaço Reservado para Texto 3"/>
+          <p:cNvSpPr>
+            <a:spLocks noGrp="1"/>
+          </p:cNvSpPr>
+          <p:nvPr>
+            <p:ph type="body" idx="1"/>
+          </p:nvPr>
+        </p:nvSpPr>
+        <p:spPr/>
+        <p:txBody>
+          <a:bodyPr/>
+          <a:lstStyle/>
+          <a:p>
+            <a:endParaRPr lang="pt-BR"/>
+          </a:p>
+        </p:txBody>
+      </p:sp>
+    </p:spTree>
+    <p:extLst>
+      <p:ext uri="{BB962C8B-B14F-4D97-AF65-F5344CB8AC3E}">
+        <p14:creationId xmlns:p14="http://schemas.microsoft.com/office/powerpoint/2010/main" val="3167506058"/>
+      </p:ext>
+    </p:extLst>
+  </p:cSld>
+  <p:clrMapOvr>
+    <a:masterClrMapping/>
+  </p:clrMapOvr>
+</p:sld>
+</file>
+
+<file path=ppt/slides/slide20.xml><?xml version="1.0" encoding="utf-8"?>
+<p:sld xmlns:a="http://schemas.openxmlformats.org/drawingml/2006/main" xmlns:r="http://schemas.openxmlformats.org/officeDocument/2006/relationships" xmlns:p="http://schemas.openxmlformats.org/presentationml/2006/main">
+  <p:cSld>
+    <p:spTree>
+      <p:nvGrpSpPr>
+        <p:cNvPr id="1" name=""/>
+        <p:cNvGrpSpPr/>
+        <p:nvPr/>
+      </p:nvGrpSpPr>
+      <p:grpSpPr>
+        <a:xfrm>
+          <a:off x="0" y="0"/>
+          <a:ext cx="0" cy="0"/>
+          <a:chOff x="0" y="0"/>
+          <a:chExt cx="0" cy="0"/>
+        </a:xfrm>
+      </p:grpSpPr>
+      <p:sp>
+        <p:nvSpPr>
+          <p:cNvPr id="2" name="Título 1"/>
+          <p:cNvSpPr>
+            <a:spLocks noGrp="1"/>
+          </p:cNvSpPr>
+          <p:nvPr>
+            <p:ph type="title"/>
+          </p:nvPr>
+        </p:nvSpPr>
+        <p:spPr/>
+        <p:txBody>
+          <a:bodyPr/>
+          <a:lstStyle/>
+          <a:p>
+            <a:r>
+              <a:rPr lang="pt-BR" dirty="0"/>
+              <a:t>Projeto</a:t>
+            </a:r>
+          </a:p>
+        </p:txBody>
+      </p:sp>
+    </p:spTree>
+    <p:extLst>
+      <p:ext uri="{BB962C8B-B14F-4D97-AF65-F5344CB8AC3E}">
+        <p14:creationId xmlns:p14="http://schemas.microsoft.com/office/powerpoint/2010/main" val="4207220579"/>
+      </p:ext>
+    </p:extLst>
+  </p:cSld>
+  <p:clrMapOvr>
+    <a:masterClrMapping/>
+  </p:clrMapOvr>
+</p:sld>
+</file>
+
+<file path=ppt/slides/slide21.xml><?xml version="1.0" encoding="utf-8"?>
+<p:sld xmlns:a="http://schemas.openxmlformats.org/drawingml/2006/main" xmlns:r="http://schemas.openxmlformats.org/officeDocument/2006/relationships" xmlns:p="http://schemas.openxmlformats.org/presentationml/2006/main">
+  <p:cSld>
+    <p:spTree>
+      <p:nvGrpSpPr>
+        <p:cNvPr id="1" name=""/>
+        <p:cNvGrpSpPr/>
+        <p:nvPr/>
+      </p:nvGrpSpPr>
+      <p:grpSpPr>
+        <a:xfrm>
+          <a:off x="0" y="0"/>
+          <a:ext cx="0" cy="0"/>
+          <a:chOff x="0" y="0"/>
+          <a:chExt cx="0" cy="0"/>
+        </a:xfrm>
+      </p:grpSpPr>
+      <p:sp>
+        <p:nvSpPr>
+          <p:cNvPr id="2" name="Título 1"/>
+          <p:cNvSpPr>
+            <a:spLocks noGrp="1"/>
+          </p:cNvSpPr>
+          <p:nvPr>
+            <p:ph type="title"/>
+          </p:nvPr>
+        </p:nvSpPr>
+        <p:spPr/>
+        <p:txBody>
+          <a:bodyPr/>
+          <a:lstStyle/>
+          <a:p>
+            <a:r>
+              <a:rPr lang="pt-BR" dirty="0"/>
+              <a:t>Fases de Projeto</a:t>
+            </a:r>
+          </a:p>
+        </p:txBody>
+      </p:sp>
+      <p:sp>
+        <p:nvSpPr>
+          <p:cNvPr id="3" name="Espaço Reservado para Conteúdo 2"/>
+          <p:cNvSpPr>
+            <a:spLocks noGrp="1"/>
+          </p:cNvSpPr>
+          <p:nvPr>
+            <p:ph idx="1"/>
+          </p:nvPr>
+        </p:nvSpPr>
+        <p:spPr/>
+        <p:txBody>
+          <a:bodyPr>
+            <a:normAutofit/>
+          </a:bodyPr>
+          <a:lstStyle/>
+          <a:p>
+            <a:r>
+              <a:rPr lang="pt-BR" dirty="0"/>
+              <a:t>Levantar as necessidades dos usuários;</a:t>
+            </a:r>
+          </a:p>
+          <a:p>
+            <a:endParaRPr lang="pt-BR" dirty="0"/>
+          </a:p>
+          <a:p>
+            <a:r>
+              <a:rPr lang="pt-BR" dirty="0"/>
+              <a:t>Levantar os requisitos funcionais e não funcionais do sistema;</a:t>
+            </a:r>
+          </a:p>
+          <a:p>
+            <a:endParaRPr lang="pt-BR" dirty="0"/>
+          </a:p>
+          <a:p>
+            <a:r>
+              <a:rPr lang="pt-BR" dirty="0"/>
+              <a:t>Caracterizar  as necessidades de </a:t>
+            </a:r>
+            <a:r>
+              <a:rPr lang="pt-BR" b="1" dirty="0"/>
+              <a:t>dados</a:t>
+            </a:r>
+            <a:r>
+              <a:rPr lang="pt-BR" dirty="0"/>
+              <a:t> dos usuários do banco;</a:t>
+            </a:r>
+          </a:p>
+          <a:p>
+            <a:pPr lvl="1"/>
+            <a:endParaRPr lang="pt-BR" dirty="0"/>
+          </a:p>
+        </p:txBody>
+      </p:sp>
+    </p:spTree>
+    <p:extLst>
+      <p:ext uri="{BB962C8B-B14F-4D97-AF65-F5344CB8AC3E}">
+        <p14:creationId xmlns:p14="http://schemas.microsoft.com/office/powerpoint/2010/main" val="1690569706"/>
+      </p:ext>
+    </p:extLst>
+  </p:cSld>
+  <p:clrMapOvr>
+    <a:masterClrMapping/>
+  </p:clrMapOvr>
+</p:sld>
+</file>
+
+<file path=ppt/slides/slide22.xml><?xml version="1.0" encoding="utf-8"?>
+<p:sld xmlns:a="http://schemas.openxmlformats.org/drawingml/2006/main" xmlns:r="http://schemas.openxmlformats.org/officeDocument/2006/relationships" xmlns:p="http://schemas.openxmlformats.org/presentationml/2006/main">
+  <p:cSld>
+    <p:spTree>
+      <p:nvGrpSpPr>
+        <p:cNvPr id="1" name=""/>
+        <p:cNvGrpSpPr/>
+        <p:nvPr/>
+      </p:nvGrpSpPr>
+      <p:grpSpPr>
+        <a:xfrm>
+          <a:off x="0" y="0"/>
+          <a:ext cx="0" cy="0"/>
+          <a:chOff x="0" y="0"/>
+          <a:chExt cx="0" cy="0"/>
+        </a:xfrm>
+      </p:grpSpPr>
+      <p:sp>
+        <p:nvSpPr>
+          <p:cNvPr id="2" name="Título 1"/>
+          <p:cNvSpPr>
+            <a:spLocks noGrp="1"/>
+          </p:cNvSpPr>
+          <p:nvPr>
+            <p:ph type="title"/>
+          </p:nvPr>
+        </p:nvSpPr>
+        <p:spPr/>
+        <p:txBody>
+          <a:bodyPr/>
+          <a:lstStyle/>
+          <a:p>
+            <a:r>
+              <a:rPr lang="pt-BR" dirty="0"/>
+              <a:t>Fases de Projeto</a:t>
+            </a:r>
+          </a:p>
+        </p:txBody>
+      </p:sp>
+      <p:sp>
+        <p:nvSpPr>
+          <p:cNvPr id="3" name="Espaço Reservado para Conteúdo 2"/>
+          <p:cNvSpPr>
+            <a:spLocks noGrp="1"/>
+          </p:cNvSpPr>
+          <p:nvPr>
+            <p:ph idx="1"/>
+          </p:nvPr>
+        </p:nvSpPr>
+        <p:spPr/>
+        <p:txBody>
+          <a:bodyPr/>
+          <a:lstStyle/>
+          <a:p>
+            <a:r>
+              <a:rPr lang="pt-BR" dirty="0"/>
+              <a:t>Projeto Lógico:</a:t>
+            </a:r>
+          </a:p>
+          <a:p>
+            <a:pPr lvl="1"/>
+            <a:r>
+              <a:rPr lang="pt-BR" dirty="0"/>
+              <a:t>Modelo E-R;</a:t>
+            </a:r>
+          </a:p>
+          <a:p>
+            <a:pPr lvl="1"/>
+            <a:endParaRPr lang="pt-BR" dirty="0"/>
+          </a:p>
+          <a:p>
+            <a:r>
+              <a:rPr lang="pt-BR" dirty="0"/>
+              <a:t>Projeto Físico:</a:t>
+            </a:r>
+          </a:p>
+          <a:p>
+            <a:pPr lvl="1"/>
+            <a:r>
+              <a:rPr lang="pt-BR" dirty="0"/>
+              <a:t>Uso do esquema do banco de dados específico;</a:t>
+            </a:r>
+          </a:p>
+          <a:p>
+            <a:pPr lvl="1"/>
+            <a:r>
+              <a:rPr lang="pt-BR" dirty="0"/>
+              <a:t>MySQL;</a:t>
+            </a:r>
+          </a:p>
+        </p:txBody>
+      </p:sp>
+    </p:spTree>
+    <p:extLst>
+      <p:ext uri="{BB962C8B-B14F-4D97-AF65-F5344CB8AC3E}">
+        <p14:creationId xmlns:p14="http://schemas.microsoft.com/office/powerpoint/2010/main" val="3216471447"/>
+      </p:ext>
+    </p:extLst>
+  </p:cSld>
+  <p:clrMapOvr>
+    <a:masterClrMapping/>
+  </p:clrMapOvr>
+</p:sld>
+</file>
+
+<file path=ppt/slides/slide23.xml><?xml version="1.0" encoding="utf-8"?>
+<p:sld xmlns:a="http://schemas.openxmlformats.org/drawingml/2006/main" xmlns:r="http://schemas.openxmlformats.org/officeDocument/2006/relationships" xmlns:p="http://schemas.openxmlformats.org/presentationml/2006/main">
+  <p:cSld>
+    <p:spTree>
+      <p:nvGrpSpPr>
+        <p:cNvPr id="1" name=""/>
+        <p:cNvGrpSpPr/>
+        <p:nvPr/>
+      </p:nvGrpSpPr>
+      <p:grpSpPr>
+        <a:xfrm>
+          <a:off x="0" y="0"/>
+          <a:ext cx="0" cy="0"/>
+          <a:chOff x="0" y="0"/>
+          <a:chExt cx="0" cy="0"/>
+        </a:xfrm>
+      </p:grpSpPr>
+      <p:sp>
+        <p:nvSpPr>
+          <p:cNvPr id="2" name="Título 1"/>
+          <p:cNvSpPr>
+            <a:spLocks noGrp="1"/>
+          </p:cNvSpPr>
+          <p:nvPr>
+            <p:ph type="title"/>
+          </p:nvPr>
+        </p:nvSpPr>
+        <p:spPr/>
+        <p:txBody>
+          <a:bodyPr/>
+          <a:lstStyle/>
+          <a:p>
+            <a:r>
+              <a:rPr lang="pt-BR" dirty="0"/>
               <a:t>Projeto Lógico</a:t>
             </a:r>
-            <a:endParaRPr lang="pt-BR" dirty="0"/>
           </a:p>
         </p:txBody>
       </p:sp>
@@ -4907,22 +5917,21 @@
           <a:lstStyle/>
           <a:p>
             <a:r>
-              <a:rPr lang="pt-BR" dirty="0" smtClean="0"/>
+              <a:rPr lang="pt-BR" dirty="0"/>
               <a:t>Definir as entidades;</a:t>
             </a:r>
           </a:p>
           <a:p>
             <a:r>
-              <a:rPr lang="pt-BR" dirty="0" smtClean="0"/>
+              <a:rPr lang="pt-BR" dirty="0"/>
               <a:t>Definir atributos;</a:t>
             </a:r>
           </a:p>
           <a:p>
             <a:r>
-              <a:rPr lang="pt-BR" dirty="0" smtClean="0"/>
+              <a:rPr lang="pt-BR" dirty="0"/>
               <a:t>Definir relacionamentos;</a:t>
             </a:r>
-            <a:endParaRPr lang="pt-BR" dirty="0"/>
           </a:p>
         </p:txBody>
       </p:sp>
@@ -4993,7 +6002,7 @@
 </p:sld>
 </file>
 
-<file path=ppt/slides/slide17.xml><?xml version="1.0" encoding="utf-8"?>
+<file path=ppt/slides/slide24.xml><?xml version="1.0" encoding="utf-8"?>
 <p:sld xmlns:a="http://schemas.openxmlformats.org/drawingml/2006/main" xmlns:r="http://schemas.openxmlformats.org/officeDocument/2006/relationships" xmlns:p="http://schemas.openxmlformats.org/presentationml/2006/main">
   <p:cSld>
     <p:spTree>
@@ -5482,7 +6491,7 @@
 </p:sld>
 </file>
 
-<file path=ppt/slides/slide18.xml><?xml version="1.0" encoding="utf-8"?>
+<file path=ppt/slides/slide25.xml><?xml version="1.0" encoding="utf-8"?>
 <p:sld xmlns:a="http://schemas.openxmlformats.org/drawingml/2006/main" xmlns:r="http://schemas.openxmlformats.org/officeDocument/2006/relationships" xmlns:p="http://schemas.openxmlformats.org/presentationml/2006/main">
   <p:cSld>
     <p:spTree>
@@ -5971,7 +6980,7 @@
 </p:sld>
 </file>
 
-<file path=ppt/slides/slide19.xml><?xml version="1.0" encoding="utf-8"?>
+<file path=ppt/slides/slide26.xml><?xml version="1.0" encoding="utf-8"?>
 <p:sld xmlns:a="http://schemas.openxmlformats.org/drawingml/2006/main" xmlns:r="http://schemas.openxmlformats.org/officeDocument/2006/relationships" xmlns:p="http://schemas.openxmlformats.org/presentationml/2006/main">
   <p:cSld>
     <p:spTree>
@@ -6079,7 +7088,7 @@
 </p:sld>
 </file>
 
-<file path=ppt/slides/slide2.xml><?xml version="1.0" encoding="utf-8"?>
+<file path=ppt/slides/slide27.xml><?xml version="1.0" encoding="utf-8"?>
 <p:sld xmlns:a="http://schemas.openxmlformats.org/drawingml/2006/main" xmlns:r="http://schemas.openxmlformats.org/officeDocument/2006/relationships" xmlns:p="http://schemas.openxmlformats.org/presentationml/2006/main">
   <p:cSld>
     <p:spTree>
@@ -6108,95 +7117,15 @@
         </p:nvSpPr>
         <p:spPr/>
         <p:txBody>
-          <a:bodyPr/>
-          <a:lstStyle/>
-          <a:p>
-            <a:r>
-              <a:rPr lang="pt-BR" dirty="0" smtClean="0"/>
-              <a:t>SQL Parte 2</a:t>
-            </a:r>
-            <a:endParaRPr lang="pt-BR" dirty="0"/>
-          </a:p>
-        </p:txBody>
-      </p:sp>
-      <p:sp>
-        <p:nvSpPr>
-          <p:cNvPr id="4" name="Espaço Reservado para Texto 3"/>
-          <p:cNvSpPr>
-            <a:spLocks noGrp="1"/>
-          </p:cNvSpPr>
-          <p:nvPr>
-            <p:ph type="body" idx="1"/>
-          </p:nvPr>
-        </p:nvSpPr>
-        <p:spPr/>
-        <p:txBody>
-          <a:bodyPr/>
-          <a:lstStyle/>
-          <a:p>
-            <a:endParaRPr lang="pt-BR"/>
-          </a:p>
-        </p:txBody>
-      </p:sp>
-    </p:spTree>
-    <p:extLst>
-      <p:ext uri="{BB962C8B-B14F-4D97-AF65-F5344CB8AC3E}">
-        <p14:creationId xmlns:p14="http://schemas.microsoft.com/office/powerpoint/2010/main" val="3167506058"/>
-      </p:ext>
-    </p:extLst>
-  </p:cSld>
-  <p:clrMapOvr>
-    <a:masterClrMapping/>
-  </p:clrMapOvr>
-  <p:timing>
-    <p:tnLst>
-      <p:par>
-        <p:cTn id="1" dur="indefinite" restart="never" nodeType="tmRoot"/>
-      </p:par>
-    </p:tnLst>
-  </p:timing>
-</p:sld>
-</file>
-
-<file path=ppt/slides/slide20.xml><?xml version="1.0" encoding="utf-8"?>
-<p:sld xmlns:a="http://schemas.openxmlformats.org/drawingml/2006/main" xmlns:r="http://schemas.openxmlformats.org/officeDocument/2006/relationships" xmlns:p="http://schemas.openxmlformats.org/presentationml/2006/main">
-  <p:cSld>
-    <p:spTree>
-      <p:nvGrpSpPr>
-        <p:cNvPr id="1" name=""/>
-        <p:cNvGrpSpPr/>
-        <p:nvPr/>
-      </p:nvGrpSpPr>
-      <p:grpSpPr>
-        <a:xfrm>
-          <a:off x="0" y="0"/>
-          <a:ext cx="0" cy="0"/>
-          <a:chOff x="0" y="0"/>
-          <a:chExt cx="0" cy="0"/>
-        </a:xfrm>
-      </p:grpSpPr>
-      <p:sp>
-        <p:nvSpPr>
-          <p:cNvPr id="2" name="Título 1"/>
-          <p:cNvSpPr>
-            <a:spLocks noGrp="1"/>
-          </p:cNvSpPr>
-          <p:nvPr>
-            <p:ph type="title"/>
-          </p:nvPr>
-        </p:nvSpPr>
-        <p:spPr/>
-        <p:txBody>
           <a:bodyPr>
             <a:normAutofit/>
           </a:bodyPr>
           <a:lstStyle/>
           <a:p>
             <a:r>
-              <a:rPr lang="pt-BR" dirty="0" smtClean="0"/>
+              <a:rPr lang="pt-BR" dirty="0"/>
               <a:t>Diagrama de Projeto (Tabelas)</a:t>
             </a:r>
-            <a:endParaRPr lang="pt-BR" dirty="0"/>
           </a:p>
         </p:txBody>
       </p:sp>
@@ -6269,7 +7198,7 @@
 </p:sld>
 </file>
 
-<file path=ppt/slides/slide21.xml><?xml version="1.0" encoding="utf-8"?>
+<file path=ppt/slides/slide28.xml><?xml version="1.0" encoding="utf-8"?>
 <p:sld xmlns:a="http://schemas.openxmlformats.org/drawingml/2006/main" xmlns:r="http://schemas.openxmlformats.org/officeDocument/2006/relationships" xmlns:p="http://schemas.openxmlformats.org/presentationml/2006/main" show="0">
   <p:cSld>
     <p:spTree>
@@ -6304,10 +7233,9 @@
           <a:lstStyle/>
           <a:p>
             <a:r>
-              <a:rPr lang="pt-BR" dirty="0" smtClean="0"/>
+              <a:rPr lang="pt-BR" dirty="0"/>
               <a:t>Diagrama de Projeto (C++/Java/...)</a:t>
             </a:r>
-            <a:endParaRPr lang="pt-BR" dirty="0"/>
           </a:p>
         </p:txBody>
       </p:sp>
@@ -6377,18 +7305,10 @@
   <p:clrMapOvr>
     <a:masterClrMapping/>
   </p:clrMapOvr>
-  <mc:AlternateContent xmlns:mc="http://schemas.openxmlformats.org/markup-compatibility/2006" xmlns:p14="http://schemas.microsoft.com/office/powerpoint/2010/main">
-    <mc:Choice Requires="p14">
-      <p:transition spd="slow" p14:dur="2000"/>
-    </mc:Choice>
-    <mc:Fallback xmlns="">
-      <p:transition spd="slow"/>
-    </mc:Fallback>
-  </mc:AlternateContent>
 </p:sld>
 </file>
 
-<file path=ppt/slides/slide22.xml><?xml version="1.0" encoding="utf-8"?>
+<file path=ppt/slides/slide29.xml><?xml version="1.0" encoding="utf-8"?>
 <p:sld xmlns:a="http://schemas.openxmlformats.org/drawingml/2006/main" xmlns:r="http://schemas.openxmlformats.org/officeDocument/2006/relationships" xmlns:p="http://schemas.openxmlformats.org/presentationml/2006/main">
   <p:cSld>
     <p:spTree>
@@ -6421,10 +7341,9 @@
           <a:lstStyle/>
           <a:p>
             <a:r>
-              <a:rPr lang="pt-BR" dirty="0" smtClean="0"/>
+              <a:rPr lang="pt-BR" dirty="0"/>
               <a:t>Diagrama ERD</a:t>
             </a:r>
-            <a:endParaRPr lang="pt-BR" dirty="0"/>
           </a:p>
         </p:txBody>
       </p:sp>
@@ -6497,490 +7416,6 @@
 </p:sld>
 </file>
 
-<file path=ppt/slides/slide23.xml><?xml version="1.0" encoding="utf-8"?>
-<p:sld xmlns:a="http://schemas.openxmlformats.org/drawingml/2006/main" xmlns:r="http://schemas.openxmlformats.org/officeDocument/2006/relationships" xmlns:p="http://schemas.openxmlformats.org/presentationml/2006/main">
-  <p:cSld>
-    <p:spTree>
-      <p:nvGrpSpPr>
-        <p:cNvPr id="1" name=""/>
-        <p:cNvGrpSpPr/>
-        <p:nvPr/>
-      </p:nvGrpSpPr>
-      <p:grpSpPr>
-        <a:xfrm>
-          <a:off x="0" y="0"/>
-          <a:ext cx="0" cy="0"/>
-          <a:chOff x="0" y="0"/>
-          <a:chExt cx="0" cy="0"/>
-        </a:xfrm>
-      </p:grpSpPr>
-      <p:sp>
-        <p:nvSpPr>
-          <p:cNvPr id="2" name="Título 1"/>
-          <p:cNvSpPr>
-            <a:spLocks noGrp="1"/>
-          </p:cNvSpPr>
-          <p:nvPr>
-            <p:ph type="title"/>
-          </p:nvPr>
-        </p:nvSpPr>
-        <p:spPr/>
-        <p:txBody>
-          <a:bodyPr/>
-          <a:lstStyle/>
-          <a:p>
-            <a:r>
-              <a:rPr lang="pt-BR" dirty="0" smtClean="0"/>
-              <a:t>Exercício</a:t>
-            </a:r>
-            <a:endParaRPr lang="pt-BR" dirty="0"/>
-          </a:p>
-        </p:txBody>
-      </p:sp>
-      <p:sp>
-        <p:nvSpPr>
-          <p:cNvPr id="3" name="Espaço Reservado para Conteúdo 2"/>
-          <p:cNvSpPr>
-            <a:spLocks noGrp="1"/>
-          </p:cNvSpPr>
-          <p:nvPr>
-            <p:ph idx="1"/>
-          </p:nvPr>
-        </p:nvSpPr>
-        <p:spPr/>
-        <p:txBody>
-          <a:bodyPr/>
-          <a:lstStyle/>
-          <a:p>
-            <a:r>
-              <a:rPr lang="pt-BR" dirty="0" smtClean="0"/>
-              <a:t>Modelar um banco de dados para armazenar dados de um conjunto de sensores</a:t>
-            </a:r>
-          </a:p>
-          <a:p>
-            <a:pPr lvl="1"/>
-            <a:r>
-              <a:rPr lang="pt-BR" dirty="0" smtClean="0"/>
-              <a:t>Nó</a:t>
-            </a:r>
-          </a:p>
-          <a:p>
-            <a:pPr lvl="1"/>
-            <a:r>
-              <a:rPr lang="pt-BR" dirty="0" smtClean="0"/>
-              <a:t>Sensor</a:t>
-            </a:r>
-          </a:p>
-          <a:p>
-            <a:pPr lvl="1"/>
-            <a:r>
-              <a:rPr lang="pt-BR" dirty="0" smtClean="0"/>
-              <a:t>Local</a:t>
-            </a:r>
-          </a:p>
-          <a:p>
-            <a:pPr lvl="1"/>
-            <a:r>
-              <a:rPr lang="pt-BR" dirty="0" smtClean="0"/>
-              <a:t>Configurações</a:t>
-            </a:r>
-          </a:p>
-          <a:p>
-            <a:pPr lvl="1"/>
-            <a:r>
-              <a:rPr lang="pt-BR" dirty="0" smtClean="0"/>
-              <a:t>Etc...</a:t>
-            </a:r>
-          </a:p>
-        </p:txBody>
-      </p:sp>
-    </p:spTree>
-    <p:extLst>
-      <p:ext uri="{BB962C8B-B14F-4D97-AF65-F5344CB8AC3E}">
-        <p14:creationId xmlns:p14="http://schemas.microsoft.com/office/powerpoint/2010/main" val="428193634"/>
-      </p:ext>
-    </p:extLst>
-  </p:cSld>
-  <p:clrMapOvr>
-    <a:masterClrMapping/>
-  </p:clrMapOvr>
-</p:sld>
-</file>
-
-<file path=ppt/slides/slide24.xml><?xml version="1.0" encoding="utf-8"?>
-<p:sld xmlns:a="http://schemas.openxmlformats.org/drawingml/2006/main" xmlns:r="http://schemas.openxmlformats.org/officeDocument/2006/relationships" xmlns:p="http://schemas.openxmlformats.org/presentationml/2006/main">
-  <p:cSld>
-    <p:spTree>
-      <p:nvGrpSpPr>
-        <p:cNvPr id="1" name=""/>
-        <p:cNvGrpSpPr/>
-        <p:nvPr/>
-      </p:nvGrpSpPr>
-      <p:grpSpPr>
-        <a:xfrm>
-          <a:off x="0" y="0"/>
-          <a:ext cx="0" cy="0"/>
-          <a:chOff x="0" y="0"/>
-          <a:chExt cx="0" cy="0"/>
-        </a:xfrm>
-      </p:grpSpPr>
-      <p:sp>
-        <p:nvSpPr>
-          <p:cNvPr id="2" name="Título 1"/>
-          <p:cNvSpPr>
-            <a:spLocks noGrp="1"/>
-          </p:cNvSpPr>
-          <p:nvPr>
-            <p:ph type="title"/>
-          </p:nvPr>
-        </p:nvSpPr>
-        <p:spPr/>
-        <p:txBody>
-          <a:bodyPr>
-            <a:normAutofit/>
-          </a:bodyPr>
-          <a:lstStyle/>
-          <a:p>
-            <a:r>
-              <a:rPr lang="pt-BR" dirty="0" smtClean="0"/>
-              <a:t>Sugestão </a:t>
-            </a:r>
-            <a:r>
-              <a:rPr lang="pt-BR" dirty="0"/>
-              <a:t>de projeto: </a:t>
-            </a:r>
-          </a:p>
-        </p:txBody>
-      </p:sp>
-      <p:sp>
-        <p:nvSpPr>
-          <p:cNvPr id="3" name="Espaço Reservado para Conteúdo 2"/>
-          <p:cNvSpPr>
-            <a:spLocks noGrp="1"/>
-          </p:cNvSpPr>
-          <p:nvPr>
-            <p:ph idx="1"/>
-          </p:nvPr>
-        </p:nvSpPr>
-        <p:spPr/>
-        <p:txBody>
-          <a:bodyPr>
-            <a:normAutofit fontScale="92500"/>
-          </a:bodyPr>
-          <a:lstStyle/>
-          <a:p>
-            <a:r>
-              <a:rPr lang="pt-BR" dirty="0" smtClean="0"/>
-              <a:t>Criar </a:t>
-            </a:r>
-            <a:r>
-              <a:rPr lang="pt-BR" dirty="0"/>
-              <a:t>um banco de dados onde será possível cadastrar nós, sensores e seus respectivos dados;</a:t>
-            </a:r>
-          </a:p>
-          <a:p>
-            <a:r>
-              <a:rPr lang="pt-BR" dirty="0" smtClean="0"/>
-              <a:t>Pode-se </a:t>
-            </a:r>
-            <a:r>
-              <a:rPr lang="pt-BR" dirty="0"/>
-              <a:t>contextualizar uma aplicação de IOT;</a:t>
-            </a:r>
-          </a:p>
-          <a:p>
-            <a:r>
-              <a:rPr lang="pt-BR" dirty="0" smtClean="0"/>
-              <a:t>Se </a:t>
-            </a:r>
-            <a:r>
-              <a:rPr lang="pt-BR" dirty="0"/>
-              <a:t>possível integrar com o que já foi utilizado com MQTT;</a:t>
-            </a:r>
-          </a:p>
-          <a:p>
-            <a:r>
-              <a:rPr lang="pt-BR" dirty="0" smtClean="0"/>
-              <a:t>Alimentar </a:t>
-            </a:r>
-            <a:r>
-              <a:rPr lang="pt-BR" dirty="0"/>
-              <a:t>a base de dados com dados fictícios de sensores;</a:t>
-            </a:r>
-          </a:p>
-          <a:p>
-            <a:r>
-              <a:rPr lang="pt-BR" dirty="0" smtClean="0"/>
-              <a:t>Consumir </a:t>
-            </a:r>
-            <a:r>
-              <a:rPr lang="pt-BR" dirty="0"/>
-              <a:t>os dados do banco por meio de uma aplicação </a:t>
-            </a:r>
-            <a:r>
-              <a:rPr lang="pt-BR" dirty="0" smtClean="0"/>
-              <a:t>WEB </a:t>
-            </a:r>
-            <a:r>
-              <a:rPr lang="pt-BR" dirty="0"/>
-              <a:t>(Pode-se utilizar ou não o </a:t>
-            </a:r>
-            <a:r>
-              <a:rPr lang="pt-BR" dirty="0" err="1"/>
-              <a:t>template</a:t>
-            </a:r>
-            <a:r>
-              <a:rPr lang="pt-BR" dirty="0"/>
-              <a:t> fornecido)</a:t>
-            </a:r>
-          </a:p>
-          <a:p>
-            <a:r>
-              <a:rPr lang="pt-BR" dirty="0" smtClean="0"/>
-              <a:t>Não </a:t>
-            </a:r>
-            <a:r>
-              <a:rPr lang="pt-BR" dirty="0"/>
-              <a:t>precisa ser individual (2 ou 3 pessoas)</a:t>
-            </a:r>
-          </a:p>
-          <a:p>
-            <a:r>
-              <a:rPr lang="pt-BR" dirty="0" smtClean="0"/>
-              <a:t>Apresentar </a:t>
-            </a:r>
-            <a:r>
-              <a:rPr lang="pt-BR" dirty="0"/>
-              <a:t>na última aula; </a:t>
-            </a:r>
-            <a:br>
-              <a:rPr lang="pt-BR" dirty="0"/>
-            </a:br>
-            <a:endParaRPr lang="pt-BR" dirty="0"/>
-          </a:p>
-        </p:txBody>
-      </p:sp>
-    </p:spTree>
-    <p:extLst>
-      <p:ext uri="{BB962C8B-B14F-4D97-AF65-F5344CB8AC3E}">
-        <p14:creationId xmlns:p14="http://schemas.microsoft.com/office/powerpoint/2010/main" val="2834711726"/>
-      </p:ext>
-    </p:extLst>
-  </p:cSld>
-  <p:clrMapOvr>
-    <a:masterClrMapping/>
-  </p:clrMapOvr>
-</p:sld>
-</file>
-
-<file path=ppt/slides/slide25.xml><?xml version="1.0" encoding="utf-8"?>
-<p:sld xmlns:a="http://schemas.openxmlformats.org/drawingml/2006/main" xmlns:r="http://schemas.openxmlformats.org/officeDocument/2006/relationships" xmlns:p="http://schemas.openxmlformats.org/presentationml/2006/main">
-  <p:cSld>
-    <p:spTree>
-      <p:nvGrpSpPr>
-        <p:cNvPr id="1" name=""/>
-        <p:cNvGrpSpPr/>
-        <p:nvPr/>
-      </p:nvGrpSpPr>
-      <p:grpSpPr>
-        <a:xfrm>
-          <a:off x="0" y="0"/>
-          <a:ext cx="0" cy="0"/>
-          <a:chOff x="0" y="0"/>
-          <a:chExt cx="0" cy="0"/>
-        </a:xfrm>
-      </p:grpSpPr>
-      <p:sp>
-        <p:nvSpPr>
-          <p:cNvPr id="2" name="Título 1"/>
-          <p:cNvSpPr>
-            <a:spLocks noGrp="1"/>
-          </p:cNvSpPr>
-          <p:nvPr>
-            <p:ph type="title"/>
-          </p:nvPr>
-        </p:nvSpPr>
-        <p:spPr/>
-        <p:txBody>
-          <a:bodyPr/>
-          <a:lstStyle/>
-          <a:p>
-            <a:r>
-              <a:rPr lang="pt-BR" dirty="0" smtClean="0"/>
-              <a:t>Programas</a:t>
-            </a:r>
-            <a:endParaRPr lang="pt-BR" dirty="0"/>
-          </a:p>
-        </p:txBody>
-      </p:sp>
-      <p:sp>
-        <p:nvSpPr>
-          <p:cNvPr id="3" name="Espaço Reservado para Conteúdo 2"/>
-          <p:cNvSpPr>
-            <a:spLocks noGrp="1"/>
-          </p:cNvSpPr>
-          <p:nvPr>
-            <p:ph idx="1"/>
-          </p:nvPr>
-        </p:nvSpPr>
-        <p:spPr/>
-        <p:txBody>
-          <a:bodyPr>
-            <a:normAutofit fontScale="92500" lnSpcReduction="10000"/>
-          </a:bodyPr>
-          <a:lstStyle/>
-          <a:p>
-            <a:r>
-              <a:rPr lang="pt-BR" dirty="0" err="1" smtClean="0"/>
-              <a:t>Astah</a:t>
-            </a:r>
-            <a:r>
-              <a:rPr lang="pt-BR" dirty="0" smtClean="0"/>
-              <a:t>:</a:t>
-            </a:r>
-            <a:endParaRPr lang="pt-BR" dirty="0" smtClean="0">
-              <a:hlinkClick r:id="rId2"/>
-            </a:endParaRPr>
-          </a:p>
-          <a:p>
-            <a:pPr lvl="1"/>
-            <a:r>
-              <a:rPr lang="pt-BR" dirty="0" smtClean="0">
-                <a:hlinkClick r:id="rId2"/>
-              </a:rPr>
-              <a:t>http</a:t>
-            </a:r>
-            <a:r>
-              <a:rPr lang="pt-BR" dirty="0">
-                <a:hlinkClick r:id="rId2"/>
-              </a:rPr>
-              <a:t>://</a:t>
-            </a:r>
-            <a:r>
-              <a:rPr lang="pt-BR" dirty="0" smtClean="0">
-                <a:hlinkClick r:id="rId2"/>
-              </a:rPr>
-              <a:t>astah.net/download#community</a:t>
-            </a:r>
-            <a:endParaRPr lang="pt-BR" dirty="0"/>
-          </a:p>
-          <a:p>
-            <a:pPr lvl="1"/>
-            <a:r>
-              <a:rPr lang="pt-BR" dirty="0" smtClean="0"/>
-              <a:t>Para quem tem e-mail institucional:</a:t>
-            </a:r>
-          </a:p>
-          <a:p>
-            <a:pPr lvl="2"/>
-            <a:r>
-              <a:rPr lang="pt-BR" dirty="0">
-                <a:hlinkClick r:id="rId3"/>
-              </a:rPr>
-              <a:t>http://</a:t>
-            </a:r>
-            <a:r>
-              <a:rPr lang="pt-BR" dirty="0" smtClean="0">
-                <a:hlinkClick r:id="rId3"/>
-              </a:rPr>
-              <a:t>astah.net/student-license-request</a:t>
-            </a:r>
-            <a:endParaRPr lang="pt-BR" dirty="0" smtClean="0"/>
-          </a:p>
-          <a:p>
-            <a:endParaRPr lang="pt-BR" dirty="0" smtClean="0"/>
-          </a:p>
-          <a:p>
-            <a:r>
-              <a:rPr lang="pt-BR" dirty="0" smtClean="0"/>
-              <a:t>Visual </a:t>
-            </a:r>
-            <a:r>
-              <a:rPr lang="pt-BR" dirty="0" err="1" smtClean="0"/>
-              <a:t>Paradigm</a:t>
-            </a:r>
-            <a:endParaRPr lang="pt-BR" dirty="0" smtClean="0"/>
-          </a:p>
-          <a:p>
-            <a:pPr lvl="1"/>
-            <a:r>
-              <a:rPr lang="pt-BR" dirty="0">
-                <a:hlinkClick r:id="rId4"/>
-              </a:rPr>
-              <a:t>https://</a:t>
-            </a:r>
-            <a:r>
-              <a:rPr lang="pt-BR" dirty="0" smtClean="0">
-                <a:hlinkClick r:id="rId4"/>
-              </a:rPr>
-              <a:t>www.visual-paradigm.com/download/community.jsp</a:t>
-            </a:r>
-            <a:endParaRPr lang="pt-BR" dirty="0" smtClean="0"/>
-          </a:p>
-          <a:p>
-            <a:pPr lvl="1"/>
-            <a:endParaRPr lang="pt-BR" dirty="0"/>
-          </a:p>
-          <a:p>
-            <a:r>
-              <a:rPr lang="pt-BR" dirty="0">
-                <a:hlinkClick r:id="rId5"/>
-              </a:rPr>
-              <a:t>https://www.draw.io</a:t>
-            </a:r>
-            <a:r>
-              <a:rPr lang="pt-BR" dirty="0" smtClean="0">
-                <a:hlinkClick r:id="rId5"/>
-              </a:rPr>
-              <a:t>/</a:t>
-            </a:r>
-            <a:r>
-              <a:rPr lang="pt-BR" dirty="0" smtClean="0"/>
-              <a:t> (Online)</a:t>
-            </a:r>
-          </a:p>
-          <a:p>
-            <a:endParaRPr lang="pt-BR" dirty="0"/>
-          </a:p>
-          <a:p>
-            <a:r>
-              <a:rPr lang="pt-BR" dirty="0">
-                <a:hlinkClick r:id="rId6"/>
-              </a:rPr>
-              <a:t>https://</a:t>
-            </a:r>
-            <a:r>
-              <a:rPr lang="pt-BR" dirty="0" smtClean="0">
-                <a:hlinkClick r:id="rId6"/>
-              </a:rPr>
-              <a:t>www.lucidchart.com</a:t>
-            </a:r>
-            <a:r>
-              <a:rPr lang="pt-BR" dirty="0" smtClean="0"/>
-              <a:t> (Online)</a:t>
-            </a:r>
-          </a:p>
-          <a:p>
-            <a:endParaRPr lang="pt-BR" dirty="0"/>
-          </a:p>
-          <a:p>
-            <a:endParaRPr lang="pt-BR" dirty="0"/>
-          </a:p>
-        </p:txBody>
-      </p:sp>
-    </p:spTree>
-    <p:extLst>
-      <p:ext uri="{BB962C8B-B14F-4D97-AF65-F5344CB8AC3E}">
-        <p14:creationId xmlns:p14="http://schemas.microsoft.com/office/powerpoint/2010/main" val="3219537271"/>
-      </p:ext>
-    </p:extLst>
-  </p:cSld>
-  <p:clrMapOvr>
-    <a:masterClrMapping/>
-  </p:clrMapOvr>
-</p:sld>
-</file>
-
 <file path=ppt/slides/slide3.xml><?xml version="1.0" encoding="utf-8"?>
 <p:sld xmlns:a="http://schemas.openxmlformats.org/drawingml/2006/main" xmlns:r="http://schemas.openxmlformats.org/officeDocument/2006/relationships" xmlns:p="http://schemas.openxmlformats.org/presentationml/2006/main">
   <p:cSld>
@@ -7014,7 +7449,7 @@
           <a:lstStyle/>
           <a:p>
             <a:r>
-              <a:rPr lang="pt-BR" dirty="0" err="1" smtClean="0"/>
+              <a:rPr lang="pt-BR" dirty="0" err="1"/>
               <a:t>Views</a:t>
             </a:r>
             <a:endParaRPr lang="pt-BR" dirty="0"/>
@@ -7039,17 +7474,16 @@
           <a:lstStyle/>
           <a:p>
             <a:r>
-              <a:rPr lang="pt-BR" dirty="0" smtClean="0"/>
+              <a:rPr lang="pt-BR" dirty="0"/>
               <a:t>Permite criar uma coleção de dados personalizada a partir do resultado de uma consulta;</a:t>
             </a:r>
+          </a:p>
+          <a:p>
             <a:endParaRPr lang="pt-BR" dirty="0"/>
           </a:p>
           <a:p>
-            <a:endParaRPr lang="pt-BR" dirty="0" smtClean="0"/>
-          </a:p>
-          <a:p>
-            <a:r>
-              <a:rPr lang="pt-BR" dirty="0" smtClean="0"/>
+            <a:r>
+              <a:rPr lang="pt-BR" dirty="0"/>
               <a:t>Omitir o modelo lógico para um grupo de usuários;</a:t>
             </a:r>
           </a:p>
@@ -7061,18 +7495,18 @@
           </a:p>
           <a:p>
             <a:r>
-              <a:rPr lang="pt-BR" dirty="0" smtClean="0"/>
+              <a:rPr lang="pt-BR" dirty="0"/>
               <a:t>A consulta é executada cada vez em que a </a:t>
             </a:r>
             <a:r>
-              <a:rPr lang="pt-BR" b="1" dirty="0" err="1" smtClean="0"/>
+              <a:rPr lang="pt-BR" b="1" dirty="0" err="1"/>
               <a:t>view</a:t>
             </a:r>
             <a:r>
-              <a:rPr lang="pt-BR" dirty="0" smtClean="0"/>
+              <a:rPr lang="pt-BR" dirty="0"/>
               <a:t> é utilizada;</a:t>
             </a:r>
-            <a:endParaRPr lang="pt-BR" b="1" dirty="0" smtClean="0"/>
+            <a:endParaRPr lang="pt-BR" b="1" dirty="0"/>
           </a:p>
           <a:p>
             <a:endParaRPr lang="pt-BR" dirty="0"/>
@@ -7082,23 +7516,23 @@
               <a:buNone/>
             </a:pPr>
             <a:r>
-              <a:rPr lang="pt-BR" dirty="0" smtClean="0"/>
+              <a:rPr lang="pt-BR" dirty="0"/>
               <a:t>	</a:t>
             </a:r>
             <a:r>
-              <a:rPr lang="pt-BR" b="1" dirty="0" err="1" smtClean="0"/>
+              <a:rPr lang="pt-BR" b="1" dirty="0" err="1"/>
               <a:t>create</a:t>
             </a:r>
             <a:r>
-              <a:rPr lang="pt-BR" b="1" dirty="0" smtClean="0"/>
+              <a:rPr lang="pt-BR" b="1" dirty="0"/>
               <a:t> </a:t>
             </a:r>
             <a:r>
-              <a:rPr lang="pt-BR" b="1" dirty="0" err="1" smtClean="0"/>
+              <a:rPr lang="pt-BR" b="1" dirty="0" err="1"/>
               <a:t>view</a:t>
             </a:r>
             <a:r>
-              <a:rPr lang="pt-BR" b="1" dirty="0" smtClean="0"/>
+              <a:rPr lang="pt-BR" b="1" dirty="0"/>
               <a:t> </a:t>
             </a:r>
             <a:r>
@@ -7106,10 +7540,9 @@
               <a:t>nome_view</a:t>
             </a:r>
             <a:r>
-              <a:rPr lang="pt-BR" b="1" dirty="0" smtClean="0"/>
+              <a:rPr lang="pt-BR" b="1" dirty="0"/>
               <a:t> as &lt;consulta&gt;</a:t>
             </a:r>
-            <a:endParaRPr lang="pt-BR" b="1" dirty="0"/>
           </a:p>
           <a:p>
             <a:endParaRPr lang="pt-BR" dirty="0"/>
@@ -7149,13 +7582,412 @@
   <p:clrMapOvr>
     <a:masterClrMapping/>
   </p:clrMapOvr>
-  <p:timing>
-    <p:tnLst>
-      <p:par>
-        <p:cTn id="1" dur="indefinite" restart="never" nodeType="tmRoot"/>
-      </p:par>
-    </p:tnLst>
-  </p:timing>
+</p:sld>
+</file>
+
+<file path=ppt/slides/slide30.xml><?xml version="1.0" encoding="utf-8"?>
+<p:sld xmlns:a="http://schemas.openxmlformats.org/drawingml/2006/main" xmlns:r="http://schemas.openxmlformats.org/officeDocument/2006/relationships" xmlns:p="http://schemas.openxmlformats.org/presentationml/2006/main">
+  <p:cSld>
+    <p:spTree>
+      <p:nvGrpSpPr>
+        <p:cNvPr id="1" name=""/>
+        <p:cNvGrpSpPr/>
+        <p:nvPr/>
+      </p:nvGrpSpPr>
+      <p:grpSpPr>
+        <a:xfrm>
+          <a:off x="0" y="0"/>
+          <a:ext cx="0" cy="0"/>
+          <a:chOff x="0" y="0"/>
+          <a:chExt cx="0" cy="0"/>
+        </a:xfrm>
+      </p:grpSpPr>
+      <p:sp>
+        <p:nvSpPr>
+          <p:cNvPr id="2" name="Título 1"/>
+          <p:cNvSpPr>
+            <a:spLocks noGrp="1"/>
+          </p:cNvSpPr>
+          <p:nvPr>
+            <p:ph type="title"/>
+          </p:nvPr>
+        </p:nvSpPr>
+        <p:spPr/>
+        <p:txBody>
+          <a:bodyPr/>
+          <a:lstStyle/>
+          <a:p>
+            <a:r>
+              <a:rPr lang="pt-BR" dirty="0"/>
+              <a:t>Exercício</a:t>
+            </a:r>
+          </a:p>
+        </p:txBody>
+      </p:sp>
+      <p:sp>
+        <p:nvSpPr>
+          <p:cNvPr id="3" name="Espaço Reservado para Conteúdo 2"/>
+          <p:cNvSpPr>
+            <a:spLocks noGrp="1"/>
+          </p:cNvSpPr>
+          <p:nvPr>
+            <p:ph idx="1"/>
+          </p:nvPr>
+        </p:nvSpPr>
+        <p:spPr/>
+        <p:txBody>
+          <a:bodyPr/>
+          <a:lstStyle/>
+          <a:p>
+            <a:r>
+              <a:rPr lang="pt-BR" dirty="0"/>
+              <a:t>Modelar um banco de dados para armazenar dados de um conjunto de sensores</a:t>
+            </a:r>
+          </a:p>
+          <a:p>
+            <a:pPr lvl="1"/>
+            <a:r>
+              <a:rPr lang="pt-BR" dirty="0"/>
+              <a:t>Nó</a:t>
+            </a:r>
+          </a:p>
+          <a:p>
+            <a:pPr lvl="1"/>
+            <a:r>
+              <a:rPr lang="pt-BR" dirty="0"/>
+              <a:t>Sensor</a:t>
+            </a:r>
+          </a:p>
+          <a:p>
+            <a:pPr lvl="1"/>
+            <a:r>
+              <a:rPr lang="pt-BR" dirty="0"/>
+              <a:t>Local</a:t>
+            </a:r>
+          </a:p>
+          <a:p>
+            <a:pPr lvl="1"/>
+            <a:r>
+              <a:rPr lang="pt-BR" dirty="0"/>
+              <a:t>Configurações</a:t>
+            </a:r>
+          </a:p>
+          <a:p>
+            <a:pPr lvl="1"/>
+            <a:r>
+              <a:rPr lang="pt-BR" dirty="0"/>
+              <a:t>Etc...</a:t>
+            </a:r>
+          </a:p>
+        </p:txBody>
+      </p:sp>
+    </p:spTree>
+    <p:extLst>
+      <p:ext uri="{BB962C8B-B14F-4D97-AF65-F5344CB8AC3E}">
+        <p14:creationId xmlns:p14="http://schemas.microsoft.com/office/powerpoint/2010/main" val="428193634"/>
+      </p:ext>
+    </p:extLst>
+  </p:cSld>
+  <p:clrMapOvr>
+    <a:masterClrMapping/>
+  </p:clrMapOvr>
+</p:sld>
+</file>
+
+<file path=ppt/slides/slide31.xml><?xml version="1.0" encoding="utf-8"?>
+<p:sld xmlns:a="http://schemas.openxmlformats.org/drawingml/2006/main" xmlns:r="http://schemas.openxmlformats.org/officeDocument/2006/relationships" xmlns:p="http://schemas.openxmlformats.org/presentationml/2006/main">
+  <p:cSld>
+    <p:spTree>
+      <p:nvGrpSpPr>
+        <p:cNvPr id="1" name=""/>
+        <p:cNvGrpSpPr/>
+        <p:nvPr/>
+      </p:nvGrpSpPr>
+      <p:grpSpPr>
+        <a:xfrm>
+          <a:off x="0" y="0"/>
+          <a:ext cx="0" cy="0"/>
+          <a:chOff x="0" y="0"/>
+          <a:chExt cx="0" cy="0"/>
+        </a:xfrm>
+      </p:grpSpPr>
+      <p:sp>
+        <p:nvSpPr>
+          <p:cNvPr id="2" name="Título 1"/>
+          <p:cNvSpPr>
+            <a:spLocks noGrp="1"/>
+          </p:cNvSpPr>
+          <p:nvPr>
+            <p:ph type="title"/>
+          </p:nvPr>
+        </p:nvSpPr>
+        <p:spPr/>
+        <p:txBody>
+          <a:bodyPr>
+            <a:normAutofit/>
+          </a:bodyPr>
+          <a:lstStyle/>
+          <a:p>
+            <a:r>
+              <a:rPr lang="pt-BR" dirty="0"/>
+              <a:t>Sugestão de projeto: </a:t>
+            </a:r>
+          </a:p>
+        </p:txBody>
+      </p:sp>
+      <p:sp>
+        <p:nvSpPr>
+          <p:cNvPr id="3" name="Espaço Reservado para Conteúdo 2"/>
+          <p:cNvSpPr>
+            <a:spLocks noGrp="1"/>
+          </p:cNvSpPr>
+          <p:nvPr>
+            <p:ph idx="1"/>
+          </p:nvPr>
+        </p:nvSpPr>
+        <p:spPr/>
+        <p:txBody>
+          <a:bodyPr>
+            <a:normAutofit fontScale="92500"/>
+          </a:bodyPr>
+          <a:lstStyle/>
+          <a:p>
+            <a:r>
+              <a:rPr lang="pt-BR" dirty="0"/>
+              <a:t>Criar um banco de dados onde será possível cadastrar nós, sensores e seus respectivos dados;</a:t>
+            </a:r>
+          </a:p>
+          <a:p>
+            <a:r>
+              <a:rPr lang="pt-BR" dirty="0"/>
+              <a:t>Pode-se contextualizar uma aplicação de IOT;</a:t>
+            </a:r>
+          </a:p>
+          <a:p>
+            <a:r>
+              <a:rPr lang="pt-BR" dirty="0"/>
+              <a:t>Se possível integrar com o que já foi utilizado com MQTT;</a:t>
+            </a:r>
+          </a:p>
+          <a:p>
+            <a:r>
+              <a:rPr lang="pt-BR" dirty="0"/>
+              <a:t>Alimentar a base de dados com dados fictícios de sensores;</a:t>
+            </a:r>
+          </a:p>
+          <a:p>
+            <a:r>
+              <a:rPr lang="pt-BR" dirty="0"/>
+              <a:t>Consumir os dados do banco por meio de uma aplicação WEB (Pode-se utilizar ou não o </a:t>
+            </a:r>
+            <a:r>
+              <a:rPr lang="pt-BR" dirty="0" err="1"/>
+              <a:t>template</a:t>
+            </a:r>
+            <a:r>
+              <a:rPr lang="pt-BR" dirty="0"/>
+              <a:t> fornecido)</a:t>
+            </a:r>
+          </a:p>
+          <a:p>
+            <a:r>
+              <a:rPr lang="pt-BR" dirty="0"/>
+              <a:t>Não precisa ser individual (2 ou 3 pessoas)</a:t>
+            </a:r>
+          </a:p>
+          <a:p>
+            <a:r>
+              <a:rPr lang="pt-BR" dirty="0"/>
+              <a:t>Apresentar na última aula; </a:t>
+            </a:r>
+            <a:br>
+              <a:rPr lang="pt-BR" dirty="0"/>
+            </a:br>
+            <a:endParaRPr lang="pt-BR" dirty="0"/>
+          </a:p>
+        </p:txBody>
+      </p:sp>
+    </p:spTree>
+    <p:extLst>
+      <p:ext uri="{BB962C8B-B14F-4D97-AF65-F5344CB8AC3E}">
+        <p14:creationId xmlns:p14="http://schemas.microsoft.com/office/powerpoint/2010/main" val="2834711726"/>
+      </p:ext>
+    </p:extLst>
+  </p:cSld>
+  <p:clrMapOvr>
+    <a:masterClrMapping/>
+  </p:clrMapOvr>
+</p:sld>
+</file>
+
+<file path=ppt/slides/slide32.xml><?xml version="1.0" encoding="utf-8"?>
+<p:sld xmlns:a="http://schemas.openxmlformats.org/drawingml/2006/main" xmlns:r="http://schemas.openxmlformats.org/officeDocument/2006/relationships" xmlns:p="http://schemas.openxmlformats.org/presentationml/2006/main">
+  <p:cSld>
+    <p:spTree>
+      <p:nvGrpSpPr>
+        <p:cNvPr id="1" name=""/>
+        <p:cNvGrpSpPr/>
+        <p:nvPr/>
+      </p:nvGrpSpPr>
+      <p:grpSpPr>
+        <a:xfrm>
+          <a:off x="0" y="0"/>
+          <a:ext cx="0" cy="0"/>
+          <a:chOff x="0" y="0"/>
+          <a:chExt cx="0" cy="0"/>
+        </a:xfrm>
+      </p:grpSpPr>
+      <p:sp>
+        <p:nvSpPr>
+          <p:cNvPr id="2" name="Título 1"/>
+          <p:cNvSpPr>
+            <a:spLocks noGrp="1"/>
+          </p:cNvSpPr>
+          <p:nvPr>
+            <p:ph type="title"/>
+          </p:nvPr>
+        </p:nvSpPr>
+        <p:spPr/>
+        <p:txBody>
+          <a:bodyPr/>
+          <a:lstStyle/>
+          <a:p>
+            <a:r>
+              <a:rPr lang="pt-BR" dirty="0"/>
+              <a:t>Programas</a:t>
+            </a:r>
+          </a:p>
+        </p:txBody>
+      </p:sp>
+      <p:sp>
+        <p:nvSpPr>
+          <p:cNvPr id="3" name="Espaço Reservado para Conteúdo 2"/>
+          <p:cNvSpPr>
+            <a:spLocks noGrp="1"/>
+          </p:cNvSpPr>
+          <p:nvPr>
+            <p:ph idx="1"/>
+          </p:nvPr>
+        </p:nvSpPr>
+        <p:spPr/>
+        <p:txBody>
+          <a:bodyPr>
+            <a:normAutofit fontScale="92500" lnSpcReduction="10000"/>
+          </a:bodyPr>
+          <a:lstStyle/>
+          <a:p>
+            <a:r>
+              <a:rPr lang="pt-BR" dirty="0" err="1"/>
+              <a:t>Astah</a:t>
+            </a:r>
+            <a:r>
+              <a:rPr lang="pt-BR" dirty="0"/>
+              <a:t>:</a:t>
+            </a:r>
+            <a:endParaRPr lang="pt-BR" dirty="0">
+              <a:hlinkClick r:id="rId2"/>
+            </a:endParaRPr>
+          </a:p>
+          <a:p>
+            <a:pPr lvl="1"/>
+            <a:r>
+              <a:rPr lang="pt-BR" dirty="0">
+                <a:hlinkClick r:id="rId2"/>
+              </a:rPr>
+              <a:t>http://astah.net/download#community</a:t>
+            </a:r>
+            <a:endParaRPr lang="pt-BR" dirty="0"/>
+          </a:p>
+          <a:p>
+            <a:pPr lvl="1"/>
+            <a:r>
+              <a:rPr lang="pt-BR" dirty="0"/>
+              <a:t>Para quem tem e-mail institucional:</a:t>
+            </a:r>
+          </a:p>
+          <a:p>
+            <a:pPr lvl="2"/>
+            <a:r>
+              <a:rPr lang="pt-BR" dirty="0">
+                <a:hlinkClick r:id="rId3"/>
+              </a:rPr>
+              <a:t>http://astah.net/student-license-request</a:t>
+            </a:r>
+            <a:endParaRPr lang="pt-BR" dirty="0"/>
+          </a:p>
+          <a:p>
+            <a:endParaRPr lang="pt-BR" dirty="0"/>
+          </a:p>
+          <a:p>
+            <a:r>
+              <a:rPr lang="pt-BR" dirty="0"/>
+              <a:t>Visual </a:t>
+            </a:r>
+            <a:r>
+              <a:rPr lang="pt-BR" dirty="0" err="1"/>
+              <a:t>Paradigm</a:t>
+            </a:r>
+            <a:endParaRPr lang="pt-BR" dirty="0"/>
+          </a:p>
+          <a:p>
+            <a:pPr lvl="1"/>
+            <a:r>
+              <a:rPr lang="pt-BR" dirty="0">
+                <a:hlinkClick r:id="rId4"/>
+              </a:rPr>
+              <a:t>https://www.visual-paradigm.com/download/community.jsp</a:t>
+            </a:r>
+            <a:endParaRPr lang="pt-BR" dirty="0"/>
+          </a:p>
+          <a:p>
+            <a:pPr lvl="1"/>
+            <a:endParaRPr lang="pt-BR" dirty="0"/>
+          </a:p>
+          <a:p>
+            <a:r>
+              <a:rPr lang="pt-BR" dirty="0">
+                <a:hlinkClick r:id="rId5"/>
+              </a:rPr>
+              <a:t>https://www.draw.io/</a:t>
+            </a:r>
+            <a:r>
+              <a:rPr lang="pt-BR" dirty="0"/>
+              <a:t> (Online)</a:t>
+            </a:r>
+          </a:p>
+          <a:p>
+            <a:endParaRPr lang="pt-BR" dirty="0"/>
+          </a:p>
+          <a:p>
+            <a:r>
+              <a:rPr lang="pt-BR" dirty="0">
+                <a:hlinkClick r:id="rId6"/>
+              </a:rPr>
+              <a:t>https://www.lucidchart.com</a:t>
+            </a:r>
+            <a:r>
+              <a:rPr lang="pt-BR" dirty="0"/>
+              <a:t> (Online)</a:t>
+            </a:r>
+          </a:p>
+          <a:p>
+            <a:endParaRPr lang="pt-BR" dirty="0"/>
+          </a:p>
+          <a:p>
+            <a:endParaRPr lang="pt-BR" dirty="0"/>
+          </a:p>
+        </p:txBody>
+      </p:sp>
+    </p:spTree>
+    <p:extLst>
+      <p:ext uri="{BB962C8B-B14F-4D97-AF65-F5344CB8AC3E}">
+        <p14:creationId xmlns:p14="http://schemas.microsoft.com/office/powerpoint/2010/main" val="3219537271"/>
+      </p:ext>
+    </p:extLst>
+  </p:cSld>
+  <p:clrMapOvr>
+    <a:masterClrMapping/>
+  </p:clrMapOvr>
 </p:sld>
 </file>
 
@@ -7192,7 +8024,7 @@
           <a:lstStyle/>
           <a:p>
             <a:r>
-              <a:rPr lang="pt-BR" dirty="0" err="1" smtClean="0"/>
+              <a:rPr lang="pt-BR" dirty="0" err="1"/>
               <a:t>Views</a:t>
             </a:r>
             <a:endParaRPr lang="pt-BR" dirty="0"/>
@@ -7319,13 +8151,6 @@
   <p:clrMapOvr>
     <a:masterClrMapping/>
   </p:clrMapOvr>
-  <p:timing>
-    <p:tnLst>
-      <p:par>
-        <p:cTn id="1" dur="indefinite" restart="never" nodeType="tmRoot"/>
-      </p:par>
-    </p:tnLst>
-  </p:timing>
 </p:sld>
 </file>
 
@@ -7364,7 +8189,7 @@
           <a:lstStyle/>
           <a:p>
             <a:r>
-              <a:rPr lang="pt-BR" dirty="0" err="1" smtClean="0"/>
+              <a:rPr lang="pt-BR" dirty="0" err="1"/>
               <a:t>View</a:t>
             </a:r>
             <a:endParaRPr lang="pt-BR" dirty="0"/>
@@ -7387,26 +8212,26 @@
           <a:lstStyle/>
           <a:p>
             <a:r>
-              <a:rPr lang="pt-BR" dirty="0" smtClean="0"/>
+              <a:rPr lang="pt-BR" dirty="0"/>
               <a:t>Para atualizar uma </a:t>
             </a:r>
             <a:r>
-              <a:rPr lang="pt-BR" dirty="0" err="1" smtClean="0"/>
+              <a:rPr lang="pt-BR" dirty="0" err="1"/>
               <a:t>view</a:t>
             </a:r>
             <a:r>
-              <a:rPr lang="pt-BR" dirty="0" smtClean="0"/>
+              <a:rPr lang="pt-BR" dirty="0"/>
               <a:t>:</a:t>
             </a:r>
           </a:p>
           <a:p>
             <a:pPr lvl="1"/>
             <a:r>
-              <a:rPr lang="pt-BR" b="1" dirty="0" err="1" smtClean="0"/>
+              <a:rPr lang="pt-BR" b="1" dirty="0" err="1"/>
               <a:t>alter</a:t>
             </a:r>
             <a:r>
-              <a:rPr lang="pt-BR" b="1" dirty="0" smtClean="0"/>
+              <a:rPr lang="pt-BR" b="1" dirty="0"/>
               <a:t> </a:t>
             </a:r>
             <a:r>
@@ -7418,16 +8243,12 @@
               <a:t> </a:t>
             </a:r>
             <a:r>
-              <a:rPr lang="pt-BR" dirty="0" err="1" smtClean="0"/>
+              <a:rPr lang="pt-BR" dirty="0" err="1"/>
               <a:t>nome_view</a:t>
             </a:r>
             <a:r>
-              <a:rPr lang="pt-BR" b="1" dirty="0" smtClean="0"/>
-              <a:t> as &lt;</a:t>
-            </a:r>
-            <a:r>
               <a:rPr lang="pt-BR" b="1" dirty="0"/>
-              <a:t>consulta&gt;</a:t>
+              <a:t> as &lt;consulta&gt;</a:t>
             </a:r>
           </a:p>
           <a:p>
@@ -7436,26 +8257,26 @@
           </a:p>
           <a:p>
             <a:r>
-              <a:rPr lang="pt-BR" dirty="0" smtClean="0"/>
+              <a:rPr lang="pt-BR" dirty="0"/>
               <a:t>Para deletar:</a:t>
             </a:r>
           </a:p>
           <a:p>
             <a:pPr lvl="1"/>
             <a:r>
-              <a:rPr lang="pt-BR" b="1" dirty="0" err="1" smtClean="0"/>
+              <a:rPr lang="pt-BR" b="1" dirty="0" err="1"/>
               <a:t>drop</a:t>
             </a:r>
             <a:r>
-              <a:rPr lang="pt-BR" b="1" dirty="0" smtClean="0"/>
+              <a:rPr lang="pt-BR" b="1" dirty="0"/>
               <a:t> </a:t>
             </a:r>
             <a:r>
-              <a:rPr lang="pt-BR" b="1" dirty="0" err="1" smtClean="0"/>
+              <a:rPr lang="pt-BR" b="1" dirty="0" err="1"/>
               <a:t>view</a:t>
             </a:r>
             <a:r>
-              <a:rPr lang="pt-BR" b="1" dirty="0" smtClean="0"/>
+              <a:rPr lang="pt-BR" b="1" dirty="0"/>
               <a:t> </a:t>
             </a:r>
             <a:r>
@@ -7466,10 +8287,10 @@
               <a:rPr lang="pt-BR" b="1" dirty="0"/>
               <a:t> </a:t>
             </a:r>
-            <a:endParaRPr lang="pt-BR" dirty="0" smtClean="0"/>
-          </a:p>
-          <a:p>
-            <a:endParaRPr lang="pt-BR" dirty="0" smtClean="0"/>
+            <a:endParaRPr lang="pt-BR" dirty="0"/>
+          </a:p>
+          <a:p>
+            <a:endParaRPr lang="pt-BR" dirty="0"/>
           </a:p>
         </p:txBody>
       </p:sp>
@@ -7483,13 +8304,6 @@
   <p:clrMapOvr>
     <a:masterClrMapping/>
   </p:clrMapOvr>
-  <p:timing>
-    <p:tnLst>
-      <p:par>
-        <p:cTn id="1" dur="indefinite" restart="never" nodeType="tmRoot"/>
-      </p:par>
-    </p:tnLst>
-  </p:timing>
 </p:sld>
 </file>
 
@@ -7526,64 +8340,62 @@
           <a:lstStyle/>
           <a:p>
             <a:r>
-              <a:rPr lang="pt-BR" dirty="0" smtClean="0"/>
+              <a:rPr lang="pt-BR" dirty="0"/>
               <a:t>Trigger</a:t>
             </a:r>
+          </a:p>
+        </p:txBody>
+      </p:sp>
+      <p:sp>
+        <p:nvSpPr>
+          <p:cNvPr id="3" name="Espaço Reservado para Conteúdo 2"/>
+          <p:cNvSpPr>
+            <a:spLocks noGrp="1"/>
+          </p:cNvSpPr>
+          <p:nvPr>
+            <p:ph idx="1"/>
+          </p:nvPr>
+        </p:nvSpPr>
+        <p:spPr/>
+        <p:txBody>
+          <a:bodyPr/>
+          <a:lstStyle/>
+          <a:p>
+            <a:r>
+              <a:rPr lang="pt-BR" dirty="0"/>
+              <a:t>É um comando que o banco de dados executa automaticamente após alguma modificação;</a:t>
+            </a:r>
+          </a:p>
+          <a:p>
             <a:endParaRPr lang="pt-BR" dirty="0"/>
           </a:p>
-        </p:txBody>
-      </p:sp>
-      <p:sp>
-        <p:nvSpPr>
-          <p:cNvPr id="3" name="Espaço Reservado para Conteúdo 2"/>
-          <p:cNvSpPr>
-            <a:spLocks noGrp="1"/>
-          </p:cNvSpPr>
-          <p:nvPr>
-            <p:ph idx="1"/>
-          </p:nvPr>
-        </p:nvSpPr>
-        <p:spPr/>
-        <p:txBody>
-          <a:bodyPr/>
-          <a:lstStyle/>
-          <a:p>
-            <a:r>
-              <a:rPr lang="pt-BR" dirty="0" smtClean="0"/>
-              <a:t>É um comando que o banco de dados executa automaticamente após alguma modificação;</a:t>
-            </a:r>
-          </a:p>
-          <a:p>
-            <a:endParaRPr lang="pt-BR" dirty="0" smtClean="0"/>
-          </a:p>
-          <a:p>
-            <a:r>
-              <a:rPr lang="pt-BR" dirty="0" smtClean="0"/>
+          <a:p>
+            <a:r>
+              <a:rPr lang="pt-BR" dirty="0"/>
               <a:t>Para criar uma trigger:</a:t>
             </a:r>
           </a:p>
           <a:p>
             <a:pPr lvl="1"/>
-            <a:endParaRPr lang="pt-BR" dirty="0" smtClean="0"/>
+            <a:endParaRPr lang="pt-BR" dirty="0"/>
           </a:p>
           <a:p>
             <a:pPr lvl="1"/>
             <a:r>
-              <a:rPr lang="pt-BR" dirty="0" smtClean="0"/>
+              <a:rPr lang="pt-BR" dirty="0"/>
               <a:t>Especificar quando ela deve ser executada;</a:t>
             </a:r>
           </a:p>
           <a:p>
             <a:pPr lvl="1"/>
-            <a:endParaRPr lang="pt-BR" dirty="0" smtClean="0"/>
+            <a:endParaRPr lang="pt-BR" dirty="0"/>
           </a:p>
           <a:p>
             <a:pPr lvl="1"/>
             <a:r>
-              <a:rPr lang="pt-BR" dirty="0" smtClean="0"/>
+              <a:rPr lang="pt-BR" dirty="0"/>
               <a:t>Especificar quais ações devem ser tomadas quando disparada</a:t>
             </a:r>
-            <a:endParaRPr lang="pt-BR" dirty="0"/>
           </a:p>
         </p:txBody>
       </p:sp>
@@ -7620,13 +8432,6 @@
   <p:clrMapOvr>
     <a:masterClrMapping/>
   </p:clrMapOvr>
-  <p:timing>
-    <p:tnLst>
-      <p:par>
-        <p:cTn id="1" dur="indefinite" restart="never" nodeType="tmRoot"/>
-      </p:par>
-    </p:tnLst>
-  </p:timing>
 </p:sld>
 </file>
 
@@ -7735,13 +8540,6 @@
   <p:clrMapOvr>
     <a:masterClrMapping/>
   </p:clrMapOvr>
-  <p:timing>
-    <p:tnLst>
-      <p:par>
-        <p:cTn id="1" dur="indefinite" restart="never" nodeType="tmRoot"/>
-      </p:par>
-    </p:tnLst>
-  </p:timing>
 </p:sld>
 </file>
 
@@ -7778,14 +8576,13 @@
           <a:lstStyle/>
           <a:p>
             <a:r>
-              <a:rPr lang="pt-BR" dirty="0" err="1" smtClean="0"/>
+              <a:rPr lang="pt-BR" dirty="0" err="1"/>
               <a:t>Functions</a:t>
             </a:r>
             <a:r>
-              <a:rPr lang="pt-BR" dirty="0" smtClean="0"/>
+              <a:rPr lang="pt-BR" dirty="0"/>
               <a:t> e Procedures</a:t>
             </a:r>
-            <a:endParaRPr lang="pt-BR" dirty="0"/>
           </a:p>
         </p:txBody>
       </p:sp>
@@ -7807,7 +8604,7 @@
           <a:lstStyle/>
           <a:p>
             <a:r>
-              <a:rPr lang="pt-BR" dirty="0" smtClean="0"/>
+              <a:rPr lang="pt-BR" dirty="0"/>
               <a:t>O banco de dados permite que sejam criadas funções e procedimentos próprios e executa-los posteriormente  por meio de comandos SQL;</a:t>
             </a:r>
           </a:p>
@@ -7960,13 +8757,6 @@
   <p:clrMapOvr>
     <a:masterClrMapping/>
   </p:clrMapOvr>
-  <p:timing>
-    <p:tnLst>
-      <p:par>
-        <p:cTn id="1" dur="indefinite" restart="never" nodeType="tmRoot"/>
-      </p:par>
-    </p:tnLst>
-  </p:timing>
 </p:sld>
 </file>
 
@@ -8003,7 +8793,7 @@
           <a:lstStyle/>
           <a:p>
             <a:r>
-              <a:rPr lang="pt-BR" dirty="0" err="1" smtClean="0"/>
+              <a:rPr lang="pt-BR" dirty="0" err="1"/>
               <a:t>Transactions</a:t>
             </a:r>
             <a:endParaRPr lang="pt-BR" dirty="0"/>
@@ -8026,7 +8816,7 @@
           <a:lstStyle/>
           <a:p>
             <a:r>
-              <a:rPr lang="pt-BR" dirty="0" smtClean="0"/>
+              <a:rPr lang="pt-BR" dirty="0"/>
               <a:t>Uma transação consiste em uma sequência de operações  de consultas e/ou atualização;</a:t>
             </a:r>
           </a:p>
@@ -8035,7 +8825,7 @@
           </a:p>
           <a:p>
             <a:r>
-              <a:rPr lang="pt-BR" dirty="0" smtClean="0"/>
+              <a:rPr lang="pt-BR" dirty="0"/>
               <a:t>Uma transação começa implicitamente quando um comando SQL é executado;</a:t>
             </a:r>
           </a:p>
@@ -8044,32 +8834,31 @@
           </a:p>
           <a:p>
             <a:r>
-              <a:rPr lang="pt-BR" dirty="0" smtClean="0"/>
+              <a:rPr lang="pt-BR" dirty="0"/>
               <a:t>Para terminar uma transação:</a:t>
             </a:r>
           </a:p>
           <a:p>
             <a:pPr lvl="1"/>
             <a:r>
-              <a:rPr lang="pt-BR" b="1" dirty="0" err="1" smtClean="0"/>
+              <a:rPr lang="pt-BR" b="1" dirty="0" err="1"/>
               <a:t>Commit</a:t>
             </a:r>
             <a:r>
-              <a:rPr lang="pt-BR" dirty="0" smtClean="0"/>
+              <a:rPr lang="pt-BR" dirty="0"/>
               <a:t>: Confirma a transação atual;</a:t>
             </a:r>
           </a:p>
           <a:p>
             <a:pPr lvl="1"/>
             <a:r>
-              <a:rPr lang="pt-BR" b="1" dirty="0" err="1" smtClean="0"/>
+              <a:rPr lang="pt-BR" b="1" dirty="0" err="1"/>
               <a:t>Rollback</a:t>
             </a:r>
             <a:r>
-              <a:rPr lang="pt-BR" dirty="0" smtClean="0"/>
+              <a:rPr lang="pt-BR" dirty="0"/>
               <a:t>: Reverte transação atual;</a:t>
             </a:r>
-            <a:endParaRPr lang="pt-BR" dirty="0"/>
           </a:p>
         </p:txBody>
       </p:sp>
@@ -8106,13 +8895,6 @@
   <p:clrMapOvr>
     <a:masterClrMapping/>
   </p:clrMapOvr>
-  <p:timing>
-    <p:tnLst>
-      <p:par>
-        <p:cTn id="1" dur="indefinite" restart="never" nodeType="tmRoot"/>
-      </p:par>
-    </p:tnLst>
-  </p:timing>
 </p:sld>
 </file>
 

--- a/Aula02.pptx
+++ b/Aula02.pptx
@@ -327,7 +327,7 @@
           <a:p>
             <a:fld id="{2E700DB3-DBF0-4086-B675-117E7A9610B8}" type="datetimeFigureOut">
               <a:rPr lang="pt-BR" smtClean="0"/>
-              <a:t>08/11/2018</a:t>
+              <a:t>09/11/2018</a:t>
             </a:fld>
             <a:endParaRPr lang="pt-BR"/>
           </a:p>
@@ -492,7 +492,7 @@
           <a:p>
             <a:fld id="{2E700DB3-DBF0-4086-B675-117E7A9610B8}" type="datetimeFigureOut">
               <a:rPr lang="pt-BR" smtClean="0"/>
-              <a:t>08/11/2018</a:t>
+              <a:t>09/11/2018</a:t>
             </a:fld>
             <a:endParaRPr lang="pt-BR"/>
           </a:p>
@@ -667,7 +667,7 @@
           <a:p>
             <a:fld id="{2E700DB3-DBF0-4086-B675-117E7A9610B8}" type="datetimeFigureOut">
               <a:rPr lang="pt-BR" smtClean="0"/>
-              <a:t>08/11/2018</a:t>
+              <a:t>09/11/2018</a:t>
             </a:fld>
             <a:endParaRPr lang="pt-BR"/>
           </a:p>
@@ -832,7 +832,7 @@
           <a:p>
             <a:fld id="{2E700DB3-DBF0-4086-B675-117E7A9610B8}" type="datetimeFigureOut">
               <a:rPr lang="pt-BR" smtClean="0"/>
-              <a:t>08/11/2018</a:t>
+              <a:t>09/11/2018</a:t>
             </a:fld>
             <a:endParaRPr lang="pt-BR"/>
           </a:p>
@@ -1074,7 +1074,7 @@
           <a:p>
             <a:fld id="{2E700DB3-DBF0-4086-B675-117E7A9610B8}" type="datetimeFigureOut">
               <a:rPr lang="pt-BR" smtClean="0"/>
-              <a:t>08/11/2018</a:t>
+              <a:t>09/11/2018</a:t>
             </a:fld>
             <a:endParaRPr lang="pt-BR"/>
           </a:p>
@@ -1338,7 +1338,7 @@
           <a:p>
             <a:fld id="{2E700DB3-DBF0-4086-B675-117E7A9610B8}" type="datetimeFigureOut">
               <a:rPr lang="pt-BR" smtClean="0"/>
-              <a:t>08/11/2018</a:t>
+              <a:t>09/11/2018</a:t>
             </a:fld>
             <a:endParaRPr lang="pt-BR"/>
           </a:p>
@@ -1716,7 +1716,7 @@
           <a:p>
             <a:fld id="{2E700DB3-DBF0-4086-B675-117E7A9610B8}" type="datetimeFigureOut">
               <a:rPr lang="pt-BR" smtClean="0"/>
-              <a:t>08/11/2018</a:t>
+              <a:t>09/11/2018</a:t>
             </a:fld>
             <a:endParaRPr lang="pt-BR"/>
           </a:p>
@@ -1866,7 +1866,7 @@
           <a:p>
             <a:fld id="{2E700DB3-DBF0-4086-B675-117E7A9610B8}" type="datetimeFigureOut">
               <a:rPr lang="pt-BR" smtClean="0"/>
-              <a:t>08/11/2018</a:t>
+              <a:t>09/11/2018</a:t>
             </a:fld>
             <a:endParaRPr lang="pt-BR"/>
           </a:p>
@@ -1956,7 +1956,7 @@
           <a:p>
             <a:fld id="{2E700DB3-DBF0-4086-B675-117E7A9610B8}" type="datetimeFigureOut">
               <a:rPr lang="pt-BR" smtClean="0"/>
-              <a:t>08/11/2018</a:t>
+              <a:t>09/11/2018</a:t>
             </a:fld>
             <a:endParaRPr lang="pt-BR"/>
           </a:p>
@@ -2217,7 +2217,7 @@
           <a:p>
             <a:fld id="{2E700DB3-DBF0-4086-B675-117E7A9610B8}" type="datetimeFigureOut">
               <a:rPr lang="pt-BR" smtClean="0"/>
-              <a:t>08/11/2018</a:t>
+              <a:t>09/11/2018</a:t>
             </a:fld>
             <a:endParaRPr lang="pt-BR"/>
           </a:p>
@@ -2505,7 +2505,7 @@
           <a:p>
             <a:fld id="{2E700DB3-DBF0-4086-B675-117E7A9610B8}" type="datetimeFigureOut">
               <a:rPr lang="pt-BR" smtClean="0"/>
-              <a:t>08/11/2018</a:t>
+              <a:t>09/11/2018</a:t>
             </a:fld>
             <a:endParaRPr lang="pt-BR"/>
           </a:p>
@@ -3276,7 +3276,7 @@
           <a:p>
             <a:fld id="{2E700DB3-DBF0-4086-B675-117E7A9610B8}" type="datetimeFigureOut">
               <a:rPr lang="pt-BR" smtClean="0"/>
-              <a:t>08/11/2018</a:t>
+              <a:t>09/11/2018</a:t>
             </a:fld>
             <a:endParaRPr lang="pt-BR"/>
           </a:p>
@@ -4719,13 +4719,8 @@
             <a:pPr lvl="1"/>
             <a:r>
               <a:rPr lang="pt-BR" dirty="0"/>
-              <a:t>1ª, 2</a:t>
-            </a:r>
-            <a:r>
-              <a:rPr lang="pt-BR" sz="2800" dirty="0"/>
-              <a:t>ª e 3ª;</a:t>
-            </a:r>
-            <a:endParaRPr lang="pt-BR" dirty="0"/>
+              <a:t>1ª, 2ª e 3ª;</a:t>
+            </a:r>
           </a:p>
           <a:p>
             <a:endParaRPr lang="pt-BR" dirty="0"/>

--- a/Aula02.pptx
+++ b/Aula02.pptx
@@ -327,7 +327,7 @@
           <a:p>
             <a:fld id="{2E700DB3-DBF0-4086-B675-117E7A9610B8}" type="datetimeFigureOut">
               <a:rPr lang="pt-BR" smtClean="0"/>
-              <a:t>09/11/2018</a:t>
+              <a:t>23/11/2018</a:t>
             </a:fld>
             <a:endParaRPr lang="pt-BR"/>
           </a:p>
@@ -492,7 +492,7 @@
           <a:p>
             <a:fld id="{2E700DB3-DBF0-4086-B675-117E7A9610B8}" type="datetimeFigureOut">
               <a:rPr lang="pt-BR" smtClean="0"/>
-              <a:t>09/11/2018</a:t>
+              <a:t>23/11/2018</a:t>
             </a:fld>
             <a:endParaRPr lang="pt-BR"/>
           </a:p>
@@ -667,7 +667,7 @@
           <a:p>
             <a:fld id="{2E700DB3-DBF0-4086-B675-117E7A9610B8}" type="datetimeFigureOut">
               <a:rPr lang="pt-BR" smtClean="0"/>
-              <a:t>09/11/2018</a:t>
+              <a:t>23/11/2018</a:t>
             </a:fld>
             <a:endParaRPr lang="pt-BR"/>
           </a:p>
@@ -832,7 +832,7 @@
           <a:p>
             <a:fld id="{2E700DB3-DBF0-4086-B675-117E7A9610B8}" type="datetimeFigureOut">
               <a:rPr lang="pt-BR" smtClean="0"/>
-              <a:t>09/11/2018</a:t>
+              <a:t>23/11/2018</a:t>
             </a:fld>
             <a:endParaRPr lang="pt-BR"/>
           </a:p>
@@ -1074,7 +1074,7 @@
           <a:p>
             <a:fld id="{2E700DB3-DBF0-4086-B675-117E7A9610B8}" type="datetimeFigureOut">
               <a:rPr lang="pt-BR" smtClean="0"/>
-              <a:t>09/11/2018</a:t>
+              <a:t>23/11/2018</a:t>
             </a:fld>
             <a:endParaRPr lang="pt-BR"/>
           </a:p>
@@ -1338,7 +1338,7 @@
           <a:p>
             <a:fld id="{2E700DB3-DBF0-4086-B675-117E7A9610B8}" type="datetimeFigureOut">
               <a:rPr lang="pt-BR" smtClean="0"/>
-              <a:t>09/11/2018</a:t>
+              <a:t>23/11/2018</a:t>
             </a:fld>
             <a:endParaRPr lang="pt-BR"/>
           </a:p>
@@ -1716,7 +1716,7 @@
           <a:p>
             <a:fld id="{2E700DB3-DBF0-4086-B675-117E7A9610B8}" type="datetimeFigureOut">
               <a:rPr lang="pt-BR" smtClean="0"/>
-              <a:t>09/11/2018</a:t>
+              <a:t>23/11/2018</a:t>
             </a:fld>
             <a:endParaRPr lang="pt-BR"/>
           </a:p>
@@ -1866,7 +1866,7 @@
           <a:p>
             <a:fld id="{2E700DB3-DBF0-4086-B675-117E7A9610B8}" type="datetimeFigureOut">
               <a:rPr lang="pt-BR" smtClean="0"/>
-              <a:t>09/11/2018</a:t>
+              <a:t>23/11/2018</a:t>
             </a:fld>
             <a:endParaRPr lang="pt-BR"/>
           </a:p>
@@ -1956,7 +1956,7 @@
           <a:p>
             <a:fld id="{2E700DB3-DBF0-4086-B675-117E7A9610B8}" type="datetimeFigureOut">
               <a:rPr lang="pt-BR" smtClean="0"/>
-              <a:t>09/11/2018</a:t>
+              <a:t>23/11/2018</a:t>
             </a:fld>
             <a:endParaRPr lang="pt-BR"/>
           </a:p>
@@ -2217,7 +2217,7 @@
           <a:p>
             <a:fld id="{2E700DB3-DBF0-4086-B675-117E7A9610B8}" type="datetimeFigureOut">
               <a:rPr lang="pt-BR" smtClean="0"/>
-              <a:t>09/11/2018</a:t>
+              <a:t>23/11/2018</a:t>
             </a:fld>
             <a:endParaRPr lang="pt-BR"/>
           </a:p>
@@ -2505,7 +2505,7 @@
           <a:p>
             <a:fld id="{2E700DB3-DBF0-4086-B675-117E7A9610B8}" type="datetimeFigureOut">
               <a:rPr lang="pt-BR" smtClean="0"/>
-              <a:t>09/11/2018</a:t>
+              <a:t>23/11/2018</a:t>
             </a:fld>
             <a:endParaRPr lang="pt-BR"/>
           </a:p>
@@ -3276,7 +3276,7 @@
           <a:p>
             <a:fld id="{2E700DB3-DBF0-4086-B675-117E7A9610B8}" type="datetimeFigureOut">
               <a:rPr lang="pt-BR" smtClean="0"/>
-              <a:t>09/11/2018</a:t>
+              <a:t>23/11/2018</a:t>
             </a:fld>
             <a:endParaRPr lang="pt-BR"/>
           </a:p>
@@ -7761,12 +7761,6 @@
           <a:p>
             <a:r>
               <a:rPr lang="pt-BR" dirty="0"/>
-              <a:t>Se possível integrar com o que já foi utilizado com MQTT;</a:t>
-            </a:r>
-          </a:p>
-          <a:p>
-            <a:r>
-              <a:rPr lang="pt-BR" dirty="0"/>
               <a:t>Alimentar a base de dados com dados fictícios de sensores;</a:t>
             </a:r>
           </a:p>

--- a/Aula02.pptx
+++ b/Aula02.pptx
@@ -327,7 +327,7 @@
           <a:p>
             <a:fld id="{2E700DB3-DBF0-4086-B675-117E7A9610B8}" type="datetimeFigureOut">
               <a:rPr lang="pt-BR" smtClean="0"/>
-              <a:t>23/11/2018</a:t>
+              <a:t>24/11/2018</a:t>
             </a:fld>
             <a:endParaRPr lang="pt-BR"/>
           </a:p>
@@ -492,7 +492,7 @@
           <a:p>
             <a:fld id="{2E700DB3-DBF0-4086-B675-117E7A9610B8}" type="datetimeFigureOut">
               <a:rPr lang="pt-BR" smtClean="0"/>
-              <a:t>23/11/2018</a:t>
+              <a:t>24/11/2018</a:t>
             </a:fld>
             <a:endParaRPr lang="pt-BR"/>
           </a:p>
@@ -667,7 +667,7 @@
           <a:p>
             <a:fld id="{2E700DB3-DBF0-4086-B675-117E7A9610B8}" type="datetimeFigureOut">
               <a:rPr lang="pt-BR" smtClean="0"/>
-              <a:t>23/11/2018</a:t>
+              <a:t>24/11/2018</a:t>
             </a:fld>
             <a:endParaRPr lang="pt-BR"/>
           </a:p>
@@ -832,7 +832,7 @@
           <a:p>
             <a:fld id="{2E700DB3-DBF0-4086-B675-117E7A9610B8}" type="datetimeFigureOut">
               <a:rPr lang="pt-BR" smtClean="0"/>
-              <a:t>23/11/2018</a:t>
+              <a:t>24/11/2018</a:t>
             </a:fld>
             <a:endParaRPr lang="pt-BR"/>
           </a:p>
@@ -1074,7 +1074,7 @@
           <a:p>
             <a:fld id="{2E700DB3-DBF0-4086-B675-117E7A9610B8}" type="datetimeFigureOut">
               <a:rPr lang="pt-BR" smtClean="0"/>
-              <a:t>23/11/2018</a:t>
+              <a:t>24/11/2018</a:t>
             </a:fld>
             <a:endParaRPr lang="pt-BR"/>
           </a:p>
@@ -1338,7 +1338,7 @@
           <a:p>
             <a:fld id="{2E700DB3-DBF0-4086-B675-117E7A9610B8}" type="datetimeFigureOut">
               <a:rPr lang="pt-BR" smtClean="0"/>
-              <a:t>23/11/2018</a:t>
+              <a:t>24/11/2018</a:t>
             </a:fld>
             <a:endParaRPr lang="pt-BR"/>
           </a:p>
@@ -1716,7 +1716,7 @@
           <a:p>
             <a:fld id="{2E700DB3-DBF0-4086-B675-117E7A9610B8}" type="datetimeFigureOut">
               <a:rPr lang="pt-BR" smtClean="0"/>
-              <a:t>23/11/2018</a:t>
+              <a:t>24/11/2018</a:t>
             </a:fld>
             <a:endParaRPr lang="pt-BR"/>
           </a:p>
@@ -1866,7 +1866,7 @@
           <a:p>
             <a:fld id="{2E700DB3-DBF0-4086-B675-117E7A9610B8}" type="datetimeFigureOut">
               <a:rPr lang="pt-BR" smtClean="0"/>
-              <a:t>23/11/2018</a:t>
+              <a:t>24/11/2018</a:t>
             </a:fld>
             <a:endParaRPr lang="pt-BR"/>
           </a:p>
@@ -1956,7 +1956,7 @@
           <a:p>
             <a:fld id="{2E700DB3-DBF0-4086-B675-117E7A9610B8}" type="datetimeFigureOut">
               <a:rPr lang="pt-BR" smtClean="0"/>
-              <a:t>23/11/2018</a:t>
+              <a:t>24/11/2018</a:t>
             </a:fld>
             <a:endParaRPr lang="pt-BR"/>
           </a:p>
@@ -2217,7 +2217,7 @@
           <a:p>
             <a:fld id="{2E700DB3-DBF0-4086-B675-117E7A9610B8}" type="datetimeFigureOut">
               <a:rPr lang="pt-BR" smtClean="0"/>
-              <a:t>23/11/2018</a:t>
+              <a:t>24/11/2018</a:t>
             </a:fld>
             <a:endParaRPr lang="pt-BR"/>
           </a:p>
@@ -2505,7 +2505,7 @@
           <a:p>
             <a:fld id="{2E700DB3-DBF0-4086-B675-117E7A9610B8}" type="datetimeFigureOut">
               <a:rPr lang="pt-BR" smtClean="0"/>
-              <a:t>23/11/2018</a:t>
+              <a:t>24/11/2018</a:t>
             </a:fld>
             <a:endParaRPr lang="pt-BR"/>
           </a:p>
@@ -3276,7 +3276,7 @@
           <a:p>
             <a:fld id="{2E700DB3-DBF0-4086-B675-117E7A9610B8}" type="datetimeFigureOut">
               <a:rPr lang="pt-BR" smtClean="0"/>
-              <a:t>23/11/2018</a:t>
+              <a:t>24/11/2018</a:t>
             </a:fld>
             <a:endParaRPr lang="pt-BR"/>
           </a:p>
